--- a/open_data_analysis/road-network.pptx
+++ b/open_data_analysis/road-network.pptx
@@ -243,7 +243,7 @@
           <a:p>
             <a:fld id="{00AB9F22-6A9C-43A2-8A4F-C56FD3CC4F69}" type="datetimeFigureOut">
               <a:rPr lang="zh-CN" altLang="en-US" smtClean="0"/>
-              <a:t>2018/4/20</a:t>
+              <a:t>2018/5/11</a:t>
             </a:fld>
             <a:endParaRPr lang="zh-CN" altLang="en-US"/>
           </a:p>
@@ -413,7 +413,7 @@
           <a:p>
             <a:fld id="{00AB9F22-6A9C-43A2-8A4F-C56FD3CC4F69}" type="datetimeFigureOut">
               <a:rPr lang="zh-CN" altLang="en-US" smtClean="0"/>
-              <a:t>2018/4/20</a:t>
+              <a:t>2018/5/11</a:t>
             </a:fld>
             <a:endParaRPr lang="zh-CN" altLang="en-US"/>
           </a:p>
@@ -593,7 +593,7 @@
           <a:p>
             <a:fld id="{00AB9F22-6A9C-43A2-8A4F-C56FD3CC4F69}" type="datetimeFigureOut">
               <a:rPr lang="zh-CN" altLang="en-US" smtClean="0"/>
-              <a:t>2018/4/20</a:t>
+              <a:t>2018/5/11</a:t>
             </a:fld>
             <a:endParaRPr lang="zh-CN" altLang="en-US"/>
           </a:p>
@@ -763,7 +763,7 @@
           <a:p>
             <a:fld id="{00AB9F22-6A9C-43A2-8A4F-C56FD3CC4F69}" type="datetimeFigureOut">
               <a:rPr lang="zh-CN" altLang="en-US" smtClean="0"/>
-              <a:t>2018/4/20</a:t>
+              <a:t>2018/5/11</a:t>
             </a:fld>
             <a:endParaRPr lang="zh-CN" altLang="en-US"/>
           </a:p>
@@ -1009,7 +1009,7 @@
           <a:p>
             <a:fld id="{00AB9F22-6A9C-43A2-8A4F-C56FD3CC4F69}" type="datetimeFigureOut">
               <a:rPr lang="zh-CN" altLang="en-US" smtClean="0"/>
-              <a:t>2018/4/20</a:t>
+              <a:t>2018/5/11</a:t>
             </a:fld>
             <a:endParaRPr lang="zh-CN" altLang="en-US"/>
           </a:p>
@@ -1241,7 +1241,7 @@
           <a:p>
             <a:fld id="{00AB9F22-6A9C-43A2-8A4F-C56FD3CC4F69}" type="datetimeFigureOut">
               <a:rPr lang="zh-CN" altLang="en-US" smtClean="0"/>
-              <a:t>2018/4/20</a:t>
+              <a:t>2018/5/11</a:t>
             </a:fld>
             <a:endParaRPr lang="zh-CN" altLang="en-US"/>
           </a:p>
@@ -1608,7 +1608,7 @@
           <a:p>
             <a:fld id="{00AB9F22-6A9C-43A2-8A4F-C56FD3CC4F69}" type="datetimeFigureOut">
               <a:rPr lang="zh-CN" altLang="en-US" smtClean="0"/>
-              <a:t>2018/4/20</a:t>
+              <a:t>2018/5/11</a:t>
             </a:fld>
             <a:endParaRPr lang="zh-CN" altLang="en-US"/>
           </a:p>
@@ -1726,7 +1726,7 @@
           <a:p>
             <a:fld id="{00AB9F22-6A9C-43A2-8A4F-C56FD3CC4F69}" type="datetimeFigureOut">
               <a:rPr lang="zh-CN" altLang="en-US" smtClean="0"/>
-              <a:t>2018/4/20</a:t>
+              <a:t>2018/5/11</a:t>
             </a:fld>
             <a:endParaRPr lang="zh-CN" altLang="en-US"/>
           </a:p>
@@ -1821,7 +1821,7 @@
           <a:p>
             <a:fld id="{00AB9F22-6A9C-43A2-8A4F-C56FD3CC4F69}" type="datetimeFigureOut">
               <a:rPr lang="zh-CN" altLang="en-US" smtClean="0"/>
-              <a:t>2018/4/20</a:t>
+              <a:t>2018/5/11</a:t>
             </a:fld>
             <a:endParaRPr lang="zh-CN" altLang="en-US"/>
           </a:p>
@@ -2098,7 +2098,7 @@
           <a:p>
             <a:fld id="{00AB9F22-6A9C-43A2-8A4F-C56FD3CC4F69}" type="datetimeFigureOut">
               <a:rPr lang="zh-CN" altLang="en-US" smtClean="0"/>
-              <a:t>2018/4/20</a:t>
+              <a:t>2018/5/11</a:t>
             </a:fld>
             <a:endParaRPr lang="zh-CN" altLang="en-US"/>
           </a:p>
@@ -2351,7 +2351,7 @@
           <a:p>
             <a:fld id="{00AB9F22-6A9C-43A2-8A4F-C56FD3CC4F69}" type="datetimeFigureOut">
               <a:rPr lang="zh-CN" altLang="en-US" smtClean="0"/>
-              <a:t>2018/4/20</a:t>
+              <a:t>2018/5/11</a:t>
             </a:fld>
             <a:endParaRPr lang="zh-CN" altLang="en-US"/>
           </a:p>
@@ -2564,7 +2564,7 @@
           <a:p>
             <a:fld id="{00AB9F22-6A9C-43A2-8A4F-C56FD3CC4F69}" type="datetimeFigureOut">
               <a:rPr lang="zh-CN" altLang="en-US" smtClean="0"/>
-              <a:t>2018/4/20</a:t>
+              <a:t>2018/5/11</a:t>
             </a:fld>
             <a:endParaRPr lang="zh-CN" altLang="en-US"/>
           </a:p>
@@ -3038,9 +3038,7 @@
       <p:cxnSp>
         <p:nvCxnSpPr>
           <p:cNvPr id="56" name="直接连接符 55"/>
-          <p:cNvCxnSpPr>
-            <a:endCxn id="62" idx="1"/>
-          </p:cNvCxnSpPr>
+          <p:cNvCxnSpPr/>
           <p:nvPr/>
         </p:nvCxnSpPr>
         <p:spPr>
@@ -3072,7 +3070,6 @@
           <p:cNvPr id="57" name="直接连接符 56"/>
           <p:cNvCxnSpPr>
             <a:stCxn id="71" idx="0"/>
-            <a:endCxn id="61" idx="0"/>
           </p:cNvCxnSpPr>
           <p:nvPr/>
         </p:nvCxnSpPr>
@@ -4680,6 +4677,2633 @@
           </a:p>
         </p:txBody>
       </p:sp>
+      <p:pic>
+        <p:nvPicPr>
+          <p:cNvPr id="6" name="图片 5"/>
+          <p:cNvPicPr>
+            <a:picLocks noChangeAspect="1"/>
+          </p:cNvPicPr>
+          <p:nvPr/>
+        </p:nvPicPr>
+        <p:blipFill>
+          <a:blip r:embed="rId3"/>
+          <a:stretch>
+            <a:fillRect/>
+          </a:stretch>
+        </p:blipFill>
+        <p:spPr>
+          <a:xfrm>
+            <a:off x="805820" y="3190360"/>
+            <a:ext cx="1838325" cy="1362330"/>
+          </a:xfrm>
+          <a:prstGeom prst="rect">
+            <a:avLst/>
+          </a:prstGeom>
+        </p:spPr>
+      </p:pic>
+      <p:sp>
+        <p:nvSpPr>
+          <p:cNvPr id="83" name="文本框 82"/>
+          <p:cNvSpPr txBox="1"/>
+          <p:nvPr/>
+        </p:nvSpPr>
+        <p:spPr>
+          <a:xfrm>
+            <a:off x="1288901" y="3200554"/>
+            <a:ext cx="295274" cy="360000"/>
+          </a:xfrm>
+          <a:prstGeom prst="rect">
+            <a:avLst/>
+          </a:prstGeom>
+          <a:solidFill>
+            <a:srgbClr val="FFFFFF">
+              <a:alpha val="60000"/>
+            </a:srgbClr>
+          </a:solidFill>
+          <a:effectLst>
+            <a:softEdge rad="31750"/>
+          </a:effectLst>
+        </p:spPr>
+        <p:txBody>
+          <a:bodyPr wrap="none" rtlCol="0">
+            <a:spAutoFit/>
+          </a:bodyPr>
+          <a:lstStyle/>
+          <a:p>
+            <a:r>
+              <a:rPr lang="en-US" altLang="zh-CN" dirty="0" smtClean="0"/>
+              <a:t>a</a:t>
+            </a:r>
+            <a:endParaRPr lang="zh-CN" altLang="en-US" dirty="0"/>
+          </a:p>
+        </p:txBody>
+      </p:sp>
+      <p:sp>
+        <p:nvSpPr>
+          <p:cNvPr id="84" name="文本框 83"/>
+          <p:cNvSpPr txBox="1"/>
+          <p:nvPr/>
+        </p:nvSpPr>
+        <p:spPr>
+          <a:xfrm>
+            <a:off x="2021853" y="3287868"/>
+            <a:ext cx="306494" cy="360000"/>
+          </a:xfrm>
+          <a:prstGeom prst="rect">
+            <a:avLst/>
+          </a:prstGeom>
+          <a:solidFill>
+            <a:srgbClr val="FFFFFF">
+              <a:alpha val="60000"/>
+            </a:srgbClr>
+          </a:solidFill>
+          <a:effectLst>
+            <a:softEdge rad="31750"/>
+          </a:effectLst>
+        </p:spPr>
+        <p:txBody>
+          <a:bodyPr wrap="none" rtlCol="0">
+            <a:spAutoFit/>
+          </a:bodyPr>
+          <a:lstStyle/>
+          <a:p>
+            <a:r>
+              <a:rPr lang="en-US" altLang="zh-CN" dirty="0" smtClean="0"/>
+              <a:t>b</a:t>
+            </a:r>
+            <a:endParaRPr lang="zh-CN" altLang="en-US" dirty="0"/>
+          </a:p>
+        </p:txBody>
+      </p:sp>
+      <p:sp>
+        <p:nvSpPr>
+          <p:cNvPr id="85" name="文本框 84"/>
+          <p:cNvSpPr txBox="1"/>
+          <p:nvPr/>
+        </p:nvSpPr>
+        <p:spPr>
+          <a:xfrm>
+            <a:off x="2344886" y="3782673"/>
+            <a:ext cx="249372" cy="369332"/>
+          </a:xfrm>
+          <a:prstGeom prst="rect">
+            <a:avLst/>
+          </a:prstGeom>
+          <a:solidFill>
+            <a:srgbClr val="FFFFFF">
+              <a:alpha val="60000"/>
+            </a:srgbClr>
+          </a:solidFill>
+          <a:effectLst>
+            <a:softEdge rad="31750"/>
+          </a:effectLst>
+        </p:spPr>
+        <p:txBody>
+          <a:bodyPr wrap="square" rtlCol="0">
+            <a:spAutoFit/>
+          </a:bodyPr>
+          <a:lstStyle/>
+          <a:p>
+            <a:r>
+              <a:rPr lang="en-US" altLang="zh-CN" dirty="0" smtClean="0"/>
+              <a:t>c</a:t>
+            </a:r>
+            <a:endParaRPr lang="zh-CN" altLang="en-US" dirty="0"/>
+          </a:p>
+        </p:txBody>
+      </p:sp>
+      <p:sp>
+        <p:nvSpPr>
+          <p:cNvPr id="86" name="文本框 85"/>
+          <p:cNvSpPr txBox="1"/>
+          <p:nvPr/>
+        </p:nvSpPr>
+        <p:spPr>
+          <a:xfrm>
+            <a:off x="837863" y="3567740"/>
+            <a:ext cx="255198" cy="360000"/>
+          </a:xfrm>
+          <a:prstGeom prst="rect">
+            <a:avLst/>
+          </a:prstGeom>
+          <a:solidFill>
+            <a:srgbClr val="FFFFFF">
+              <a:alpha val="60000"/>
+            </a:srgbClr>
+          </a:solidFill>
+          <a:effectLst>
+            <a:softEdge rad="31750"/>
+          </a:effectLst>
+        </p:spPr>
+        <p:txBody>
+          <a:bodyPr wrap="none" rtlCol="0">
+            <a:spAutoFit/>
+          </a:bodyPr>
+          <a:lstStyle/>
+          <a:p>
+            <a:r>
+              <a:rPr lang="en-US" altLang="zh-CN" dirty="0" smtClean="0"/>
+              <a:t>f</a:t>
+            </a:r>
+            <a:endParaRPr lang="zh-CN" altLang="en-US" dirty="0"/>
+          </a:p>
+        </p:txBody>
+      </p:sp>
+      <p:sp>
+        <p:nvSpPr>
+          <p:cNvPr id="87" name="文本框 86"/>
+          <p:cNvSpPr txBox="1"/>
+          <p:nvPr/>
+        </p:nvSpPr>
+        <p:spPr>
+          <a:xfrm>
+            <a:off x="1513750" y="3647868"/>
+            <a:ext cx="295274" cy="360000"/>
+          </a:xfrm>
+          <a:prstGeom prst="rect">
+            <a:avLst/>
+          </a:prstGeom>
+          <a:solidFill>
+            <a:srgbClr val="FFFFFF">
+              <a:alpha val="60000"/>
+            </a:srgbClr>
+          </a:solidFill>
+          <a:effectLst>
+            <a:softEdge rad="31750"/>
+          </a:effectLst>
+        </p:spPr>
+        <p:txBody>
+          <a:bodyPr wrap="none" rtlCol="0">
+            <a:spAutoFit/>
+          </a:bodyPr>
+          <a:lstStyle/>
+          <a:p>
+            <a:r>
+              <a:rPr lang="en-US" altLang="zh-CN" dirty="0" smtClean="0"/>
+              <a:t>g</a:t>
+            </a:r>
+            <a:endParaRPr lang="zh-CN" altLang="en-US" dirty="0"/>
+          </a:p>
+        </p:txBody>
+      </p:sp>
+      <p:sp>
+        <p:nvSpPr>
+          <p:cNvPr id="88" name="矩形 87"/>
+          <p:cNvSpPr/>
+          <p:nvPr/>
+        </p:nvSpPr>
+        <p:spPr>
+          <a:xfrm>
+            <a:off x="1182143" y="4160045"/>
+            <a:ext cx="290620" cy="250662"/>
+          </a:xfrm>
+          <a:prstGeom prst="rect">
+            <a:avLst/>
+          </a:prstGeom>
+          <a:solidFill>
+            <a:srgbClr val="FFFFFF">
+              <a:alpha val="60000"/>
+            </a:srgbClr>
+          </a:solidFill>
+          <a:ln>
+            <a:noFill/>
+          </a:ln>
+          <a:effectLst>
+            <a:softEdge rad="31750"/>
+          </a:effectLst>
+        </p:spPr>
+        <p:style>
+          <a:lnRef idx="2">
+            <a:schemeClr val="accent1">
+              <a:shade val="50000"/>
+            </a:schemeClr>
+          </a:lnRef>
+          <a:fillRef idx="1">
+            <a:schemeClr val="accent1"/>
+          </a:fillRef>
+          <a:effectRef idx="0">
+            <a:schemeClr val="accent1"/>
+          </a:effectRef>
+          <a:fontRef idx="minor">
+            <a:schemeClr val="lt1"/>
+          </a:fontRef>
+        </p:style>
+        <p:txBody>
+          <a:bodyPr rtlCol="0" anchor="ctr"/>
+          <a:lstStyle/>
+          <a:p>
+            <a:pPr algn="ctr"/>
+            <a:r>
+              <a:rPr lang="en-US" altLang="zh-CN" dirty="0">
+                <a:solidFill>
+                  <a:schemeClr val="tx1"/>
+                </a:solidFill>
+              </a:rPr>
+              <a:t>e</a:t>
+            </a:r>
+            <a:endParaRPr lang="zh-CN" altLang="en-US" dirty="0">
+              <a:solidFill>
+                <a:schemeClr val="tx1"/>
+              </a:solidFill>
+            </a:endParaRPr>
+          </a:p>
+        </p:txBody>
+      </p:sp>
+      <p:sp>
+        <p:nvSpPr>
+          <p:cNvPr id="89" name="矩形 88"/>
+          <p:cNvSpPr/>
+          <p:nvPr/>
+        </p:nvSpPr>
+        <p:spPr>
+          <a:xfrm>
+            <a:off x="1917804" y="4251961"/>
+            <a:ext cx="279950" cy="241458"/>
+          </a:xfrm>
+          <a:prstGeom prst="rect">
+            <a:avLst/>
+          </a:prstGeom>
+          <a:solidFill>
+            <a:srgbClr val="FFFFFF">
+              <a:alpha val="60000"/>
+            </a:srgbClr>
+          </a:solidFill>
+          <a:ln>
+            <a:noFill/>
+          </a:ln>
+          <a:effectLst>
+            <a:softEdge rad="31750"/>
+          </a:effectLst>
+        </p:spPr>
+        <p:style>
+          <a:lnRef idx="2">
+            <a:schemeClr val="accent1">
+              <a:shade val="50000"/>
+            </a:schemeClr>
+          </a:lnRef>
+          <a:fillRef idx="1">
+            <a:schemeClr val="accent1"/>
+          </a:fillRef>
+          <a:effectRef idx="0">
+            <a:schemeClr val="accent1"/>
+          </a:effectRef>
+          <a:fontRef idx="minor">
+            <a:schemeClr val="lt1"/>
+          </a:fontRef>
+        </p:style>
+        <p:txBody>
+          <a:bodyPr rtlCol="0" anchor="ctr"/>
+          <a:lstStyle/>
+          <a:p>
+            <a:pPr algn="ctr"/>
+            <a:r>
+              <a:rPr lang="en-US" altLang="zh-CN" dirty="0" smtClean="0">
+                <a:solidFill>
+                  <a:schemeClr val="tx1"/>
+                </a:solidFill>
+              </a:rPr>
+              <a:t>d</a:t>
+            </a:r>
+            <a:endParaRPr lang="zh-CN" altLang="en-US" dirty="0">
+              <a:solidFill>
+                <a:schemeClr val="tx1"/>
+              </a:solidFill>
+            </a:endParaRPr>
+          </a:p>
+        </p:txBody>
+      </p:sp>
+      <p:cxnSp>
+        <p:nvCxnSpPr>
+          <p:cNvPr id="91" name="直接连接符 90"/>
+          <p:cNvCxnSpPr>
+            <a:stCxn id="110" idx="4"/>
+          </p:cNvCxnSpPr>
+          <p:nvPr/>
+        </p:nvCxnSpPr>
+        <p:spPr>
+          <a:xfrm flipH="1">
+            <a:off x="5086350" y="3606263"/>
+            <a:ext cx="143488" cy="844293"/>
+          </a:xfrm>
+          <a:prstGeom prst="line">
+            <a:avLst/>
+          </a:prstGeom>
+        </p:spPr>
+        <p:style>
+          <a:lnRef idx="1">
+            <a:schemeClr val="dk1"/>
+          </a:lnRef>
+          <a:fillRef idx="0">
+            <a:schemeClr val="dk1"/>
+          </a:fillRef>
+          <a:effectRef idx="0">
+            <a:schemeClr val="dk1"/>
+          </a:effectRef>
+          <a:fontRef idx="minor">
+            <a:schemeClr val="tx1"/>
+          </a:fontRef>
+        </p:style>
+      </p:cxnSp>
+      <p:cxnSp>
+        <p:nvCxnSpPr>
+          <p:cNvPr id="93" name="直接连接符 92"/>
+          <p:cNvCxnSpPr/>
+          <p:nvPr/>
+        </p:nvCxnSpPr>
+        <p:spPr>
+          <a:xfrm>
+            <a:off x="3719513" y="3302794"/>
+            <a:ext cx="1514475" cy="245269"/>
+          </a:xfrm>
+          <a:prstGeom prst="line">
+            <a:avLst/>
+          </a:prstGeom>
+        </p:spPr>
+        <p:style>
+          <a:lnRef idx="1">
+            <a:schemeClr val="dk1"/>
+          </a:lnRef>
+          <a:fillRef idx="0">
+            <a:schemeClr val="dk1"/>
+          </a:fillRef>
+          <a:effectRef idx="0">
+            <a:schemeClr val="dk1"/>
+          </a:effectRef>
+          <a:fontRef idx="minor">
+            <a:schemeClr val="tx1"/>
+          </a:fontRef>
+        </p:style>
+      </p:cxnSp>
+      <p:cxnSp>
+        <p:nvCxnSpPr>
+          <p:cNvPr id="95" name="直接连接符 94"/>
+          <p:cNvCxnSpPr>
+            <a:stCxn id="105" idx="4"/>
+          </p:cNvCxnSpPr>
+          <p:nvPr/>
+        </p:nvCxnSpPr>
+        <p:spPr>
+          <a:xfrm flipH="1">
+            <a:off x="4331494" y="3479030"/>
+            <a:ext cx="150227" cy="876276"/>
+          </a:xfrm>
+          <a:prstGeom prst="line">
+            <a:avLst/>
+          </a:prstGeom>
+        </p:spPr>
+        <p:style>
+          <a:lnRef idx="1">
+            <a:schemeClr val="dk1"/>
+          </a:lnRef>
+          <a:fillRef idx="0">
+            <a:schemeClr val="dk1"/>
+          </a:fillRef>
+          <a:effectRef idx="0">
+            <a:schemeClr val="dk1"/>
+          </a:effectRef>
+          <a:fontRef idx="minor">
+            <a:schemeClr val="tx1"/>
+          </a:fontRef>
+        </p:style>
+      </p:cxnSp>
+      <p:cxnSp>
+        <p:nvCxnSpPr>
+          <p:cNvPr id="96" name="直接连接符 95"/>
+          <p:cNvCxnSpPr>
+            <a:stCxn id="107" idx="2"/>
+          </p:cNvCxnSpPr>
+          <p:nvPr/>
+        </p:nvCxnSpPr>
+        <p:spPr>
+          <a:xfrm>
+            <a:off x="3515946" y="4217229"/>
+            <a:ext cx="1558498" cy="249996"/>
+          </a:xfrm>
+          <a:prstGeom prst="line">
+            <a:avLst/>
+          </a:prstGeom>
+        </p:spPr>
+        <p:style>
+          <a:lnRef idx="1">
+            <a:schemeClr val="dk1"/>
+          </a:lnRef>
+          <a:fillRef idx="0">
+            <a:schemeClr val="dk1"/>
+          </a:fillRef>
+          <a:effectRef idx="0">
+            <a:schemeClr val="dk1"/>
+          </a:effectRef>
+          <a:fontRef idx="minor">
+            <a:schemeClr val="tx1"/>
+          </a:fontRef>
+        </p:style>
+      </p:cxnSp>
+      <p:cxnSp>
+        <p:nvCxnSpPr>
+          <p:cNvPr id="102" name="直接连接符 101"/>
+          <p:cNvCxnSpPr/>
+          <p:nvPr/>
+        </p:nvCxnSpPr>
+        <p:spPr>
+          <a:xfrm flipH="1">
+            <a:off x="3569494" y="3288506"/>
+            <a:ext cx="152400" cy="919163"/>
+          </a:xfrm>
+          <a:prstGeom prst="line">
+            <a:avLst/>
+          </a:prstGeom>
+        </p:spPr>
+        <p:style>
+          <a:lnRef idx="1">
+            <a:schemeClr val="dk1"/>
+          </a:lnRef>
+          <a:fillRef idx="0">
+            <a:schemeClr val="dk1"/>
+          </a:fillRef>
+          <a:effectRef idx="0">
+            <a:schemeClr val="dk1"/>
+          </a:effectRef>
+          <a:fontRef idx="minor">
+            <a:schemeClr val="tx1"/>
+          </a:fontRef>
+        </p:style>
+      </p:cxnSp>
+      <p:sp>
+        <p:nvSpPr>
+          <p:cNvPr id="105" name="椭圆 104"/>
+          <p:cNvSpPr/>
+          <p:nvPr/>
+        </p:nvSpPr>
+        <p:spPr>
+          <a:xfrm>
+            <a:off x="4426630" y="3368848"/>
+            <a:ext cx="110182" cy="110182"/>
+          </a:xfrm>
+          <a:prstGeom prst="ellipse">
+            <a:avLst/>
+          </a:prstGeom>
+          <a:solidFill>
+            <a:schemeClr val="tx1"/>
+          </a:solidFill>
+          <a:ln>
+            <a:solidFill>
+              <a:schemeClr val="tx1"/>
+            </a:solidFill>
+          </a:ln>
+        </p:spPr>
+        <p:style>
+          <a:lnRef idx="2">
+            <a:schemeClr val="accent1">
+              <a:shade val="50000"/>
+            </a:schemeClr>
+          </a:lnRef>
+          <a:fillRef idx="1">
+            <a:schemeClr val="accent1"/>
+          </a:fillRef>
+          <a:effectRef idx="0">
+            <a:schemeClr val="accent1"/>
+          </a:effectRef>
+          <a:fontRef idx="minor">
+            <a:schemeClr val="lt1"/>
+          </a:fontRef>
+        </p:style>
+        <p:txBody>
+          <a:bodyPr rtlCol="0" anchor="ctr"/>
+          <a:lstStyle/>
+          <a:p>
+            <a:pPr algn="ctr"/>
+            <a:endParaRPr lang="zh-CN" altLang="en-US"/>
+          </a:p>
+        </p:txBody>
+      </p:sp>
+      <p:sp>
+        <p:nvSpPr>
+          <p:cNvPr id="106" name="椭圆 105"/>
+          <p:cNvSpPr/>
+          <p:nvPr/>
+        </p:nvSpPr>
+        <p:spPr>
+          <a:xfrm>
+            <a:off x="3663480" y="3245394"/>
+            <a:ext cx="110182" cy="110182"/>
+          </a:xfrm>
+          <a:prstGeom prst="ellipse">
+            <a:avLst/>
+          </a:prstGeom>
+          <a:solidFill>
+            <a:schemeClr val="tx1"/>
+          </a:solidFill>
+          <a:ln>
+            <a:solidFill>
+              <a:schemeClr val="tx1"/>
+            </a:solidFill>
+          </a:ln>
+        </p:spPr>
+        <p:style>
+          <a:lnRef idx="2">
+            <a:schemeClr val="accent1">
+              <a:shade val="50000"/>
+            </a:schemeClr>
+          </a:lnRef>
+          <a:fillRef idx="1">
+            <a:schemeClr val="accent1"/>
+          </a:fillRef>
+          <a:effectRef idx="0">
+            <a:schemeClr val="accent1"/>
+          </a:effectRef>
+          <a:fontRef idx="minor">
+            <a:schemeClr val="lt1"/>
+          </a:fontRef>
+        </p:style>
+        <p:txBody>
+          <a:bodyPr rtlCol="0" anchor="ctr"/>
+          <a:lstStyle/>
+          <a:p>
+            <a:pPr algn="ctr"/>
+            <a:endParaRPr lang="zh-CN" altLang="en-US"/>
+          </a:p>
+        </p:txBody>
+      </p:sp>
+      <p:sp>
+        <p:nvSpPr>
+          <p:cNvPr id="107" name="椭圆 106"/>
+          <p:cNvSpPr/>
+          <p:nvPr/>
+        </p:nvSpPr>
+        <p:spPr>
+          <a:xfrm>
+            <a:off x="3515946" y="4162138"/>
+            <a:ext cx="110182" cy="110182"/>
+          </a:xfrm>
+          <a:prstGeom prst="ellipse">
+            <a:avLst/>
+          </a:prstGeom>
+          <a:solidFill>
+            <a:schemeClr val="tx1"/>
+          </a:solidFill>
+          <a:ln>
+            <a:solidFill>
+              <a:schemeClr val="tx1"/>
+            </a:solidFill>
+          </a:ln>
+        </p:spPr>
+        <p:style>
+          <a:lnRef idx="2">
+            <a:schemeClr val="accent1">
+              <a:shade val="50000"/>
+            </a:schemeClr>
+          </a:lnRef>
+          <a:fillRef idx="1">
+            <a:schemeClr val="accent1"/>
+          </a:fillRef>
+          <a:effectRef idx="0">
+            <a:schemeClr val="accent1"/>
+          </a:effectRef>
+          <a:fontRef idx="minor">
+            <a:schemeClr val="lt1"/>
+          </a:fontRef>
+        </p:style>
+        <p:txBody>
+          <a:bodyPr rtlCol="0" anchor="ctr"/>
+          <a:lstStyle/>
+          <a:p>
+            <a:pPr algn="ctr"/>
+            <a:endParaRPr lang="zh-CN" altLang="en-US"/>
+          </a:p>
+        </p:txBody>
+      </p:sp>
+      <p:sp>
+        <p:nvSpPr>
+          <p:cNvPr id="108" name="椭圆 107"/>
+          <p:cNvSpPr/>
+          <p:nvPr/>
+        </p:nvSpPr>
+        <p:spPr>
+          <a:xfrm>
+            <a:off x="4266491" y="4293683"/>
+            <a:ext cx="110182" cy="110182"/>
+          </a:xfrm>
+          <a:prstGeom prst="ellipse">
+            <a:avLst/>
+          </a:prstGeom>
+          <a:solidFill>
+            <a:schemeClr val="tx1"/>
+          </a:solidFill>
+          <a:ln>
+            <a:solidFill>
+              <a:schemeClr val="tx1"/>
+            </a:solidFill>
+          </a:ln>
+        </p:spPr>
+        <p:style>
+          <a:lnRef idx="2">
+            <a:schemeClr val="accent1">
+              <a:shade val="50000"/>
+            </a:schemeClr>
+          </a:lnRef>
+          <a:fillRef idx="1">
+            <a:schemeClr val="accent1"/>
+          </a:fillRef>
+          <a:effectRef idx="0">
+            <a:schemeClr val="accent1"/>
+          </a:effectRef>
+          <a:fontRef idx="minor">
+            <a:schemeClr val="lt1"/>
+          </a:fontRef>
+        </p:style>
+        <p:txBody>
+          <a:bodyPr rtlCol="0" anchor="ctr"/>
+          <a:lstStyle/>
+          <a:p>
+            <a:pPr algn="ctr"/>
+            <a:endParaRPr lang="zh-CN" altLang="en-US"/>
+          </a:p>
+        </p:txBody>
+      </p:sp>
+      <p:sp>
+        <p:nvSpPr>
+          <p:cNvPr id="109" name="椭圆 108"/>
+          <p:cNvSpPr/>
+          <p:nvPr/>
+        </p:nvSpPr>
+        <p:spPr>
+          <a:xfrm>
+            <a:off x="5009474" y="4414010"/>
+            <a:ext cx="110182" cy="110182"/>
+          </a:xfrm>
+          <a:prstGeom prst="ellipse">
+            <a:avLst/>
+          </a:prstGeom>
+          <a:solidFill>
+            <a:schemeClr val="tx1"/>
+          </a:solidFill>
+          <a:ln>
+            <a:solidFill>
+              <a:schemeClr val="tx1"/>
+            </a:solidFill>
+          </a:ln>
+        </p:spPr>
+        <p:style>
+          <a:lnRef idx="2">
+            <a:schemeClr val="accent1">
+              <a:shade val="50000"/>
+            </a:schemeClr>
+          </a:lnRef>
+          <a:fillRef idx="1">
+            <a:schemeClr val="accent1"/>
+          </a:fillRef>
+          <a:effectRef idx="0">
+            <a:schemeClr val="accent1"/>
+          </a:effectRef>
+          <a:fontRef idx="minor">
+            <a:schemeClr val="lt1"/>
+          </a:fontRef>
+        </p:style>
+        <p:txBody>
+          <a:bodyPr rtlCol="0" anchor="ctr"/>
+          <a:lstStyle/>
+          <a:p>
+            <a:pPr algn="ctr"/>
+            <a:endParaRPr lang="zh-CN" altLang="en-US"/>
+          </a:p>
+        </p:txBody>
+      </p:sp>
+      <p:sp>
+        <p:nvSpPr>
+          <p:cNvPr id="110" name="椭圆 109"/>
+          <p:cNvSpPr/>
+          <p:nvPr/>
+        </p:nvSpPr>
+        <p:spPr>
+          <a:xfrm>
+            <a:off x="5174747" y="3496081"/>
+            <a:ext cx="110182" cy="110182"/>
+          </a:xfrm>
+          <a:prstGeom prst="ellipse">
+            <a:avLst/>
+          </a:prstGeom>
+          <a:solidFill>
+            <a:schemeClr val="tx1"/>
+          </a:solidFill>
+          <a:ln>
+            <a:solidFill>
+              <a:schemeClr val="tx1"/>
+            </a:solidFill>
+          </a:ln>
+        </p:spPr>
+        <p:style>
+          <a:lnRef idx="2">
+            <a:schemeClr val="accent1">
+              <a:shade val="50000"/>
+            </a:schemeClr>
+          </a:lnRef>
+          <a:fillRef idx="1">
+            <a:schemeClr val="accent1"/>
+          </a:fillRef>
+          <a:effectRef idx="0">
+            <a:schemeClr val="accent1"/>
+          </a:effectRef>
+          <a:fontRef idx="minor">
+            <a:schemeClr val="lt1"/>
+          </a:fontRef>
+        </p:style>
+        <p:txBody>
+          <a:bodyPr rtlCol="0" anchor="ctr"/>
+          <a:lstStyle/>
+          <a:p>
+            <a:pPr algn="ctr"/>
+            <a:endParaRPr lang="zh-CN" altLang="en-US"/>
+          </a:p>
+        </p:txBody>
+      </p:sp>
+      <p:sp>
+        <p:nvSpPr>
+          <p:cNvPr id="121" name="文本框 120"/>
+          <p:cNvSpPr txBox="1"/>
+          <p:nvPr/>
+        </p:nvSpPr>
+        <p:spPr>
+          <a:xfrm>
+            <a:off x="3866694" y="3316219"/>
+            <a:ext cx="295274" cy="360000"/>
+          </a:xfrm>
+          <a:prstGeom prst="rect">
+            <a:avLst/>
+          </a:prstGeom>
+          <a:noFill/>
+        </p:spPr>
+        <p:txBody>
+          <a:bodyPr wrap="none" rtlCol="0">
+            <a:spAutoFit/>
+          </a:bodyPr>
+          <a:lstStyle/>
+          <a:p>
+            <a:r>
+              <a:rPr lang="en-US" altLang="zh-CN" dirty="0" smtClean="0"/>
+              <a:t>a</a:t>
+            </a:r>
+            <a:endParaRPr lang="zh-CN" altLang="en-US" dirty="0"/>
+          </a:p>
+        </p:txBody>
+      </p:sp>
+      <p:sp>
+        <p:nvSpPr>
+          <p:cNvPr id="122" name="文本框 121"/>
+          <p:cNvSpPr txBox="1"/>
+          <p:nvPr/>
+        </p:nvSpPr>
+        <p:spPr>
+          <a:xfrm>
+            <a:off x="4605193" y="3415881"/>
+            <a:ext cx="306494" cy="360000"/>
+          </a:xfrm>
+          <a:prstGeom prst="rect">
+            <a:avLst/>
+          </a:prstGeom>
+          <a:noFill/>
+        </p:spPr>
+        <p:txBody>
+          <a:bodyPr wrap="none" rtlCol="0">
+            <a:spAutoFit/>
+          </a:bodyPr>
+          <a:lstStyle/>
+          <a:p>
+            <a:r>
+              <a:rPr lang="en-US" altLang="zh-CN" dirty="0" smtClean="0"/>
+              <a:t>b</a:t>
+            </a:r>
+            <a:endParaRPr lang="zh-CN" altLang="en-US" dirty="0"/>
+          </a:p>
+        </p:txBody>
+      </p:sp>
+      <p:sp>
+        <p:nvSpPr>
+          <p:cNvPr id="123" name="文本框 122"/>
+          <p:cNvSpPr txBox="1"/>
+          <p:nvPr/>
+        </p:nvSpPr>
+        <p:spPr>
+          <a:xfrm>
+            <a:off x="4906140" y="3761593"/>
+            <a:ext cx="282450" cy="360000"/>
+          </a:xfrm>
+          <a:prstGeom prst="rect">
+            <a:avLst/>
+          </a:prstGeom>
+          <a:noFill/>
+        </p:spPr>
+        <p:txBody>
+          <a:bodyPr wrap="none" rtlCol="0">
+            <a:spAutoFit/>
+          </a:bodyPr>
+          <a:lstStyle/>
+          <a:p>
+            <a:r>
+              <a:rPr lang="en-US" altLang="zh-CN" dirty="0" smtClean="0"/>
+              <a:t>c</a:t>
+            </a:r>
+            <a:endParaRPr lang="zh-CN" altLang="en-US" dirty="0"/>
+          </a:p>
+        </p:txBody>
+      </p:sp>
+      <p:sp>
+        <p:nvSpPr>
+          <p:cNvPr id="124" name="文本框 123"/>
+          <p:cNvSpPr txBox="1"/>
+          <p:nvPr/>
+        </p:nvSpPr>
+        <p:spPr>
+          <a:xfrm>
+            <a:off x="3415656" y="3567740"/>
+            <a:ext cx="255198" cy="360000"/>
+          </a:xfrm>
+          <a:prstGeom prst="rect">
+            <a:avLst/>
+          </a:prstGeom>
+          <a:noFill/>
+        </p:spPr>
+        <p:txBody>
+          <a:bodyPr wrap="none" rtlCol="0">
+            <a:spAutoFit/>
+          </a:bodyPr>
+          <a:lstStyle/>
+          <a:p>
+            <a:r>
+              <a:rPr lang="en-US" altLang="zh-CN" dirty="0" smtClean="0"/>
+              <a:t>f</a:t>
+            </a:r>
+            <a:endParaRPr lang="zh-CN" altLang="en-US" dirty="0"/>
+          </a:p>
+        </p:txBody>
+      </p:sp>
+      <p:sp>
+        <p:nvSpPr>
+          <p:cNvPr id="125" name="文本框 124"/>
+          <p:cNvSpPr txBox="1"/>
+          <p:nvPr/>
+        </p:nvSpPr>
+        <p:spPr>
+          <a:xfrm>
+            <a:off x="4091543" y="3647868"/>
+            <a:ext cx="295274" cy="360000"/>
+          </a:xfrm>
+          <a:prstGeom prst="rect">
+            <a:avLst/>
+          </a:prstGeom>
+          <a:noFill/>
+        </p:spPr>
+        <p:txBody>
+          <a:bodyPr wrap="none" rtlCol="0">
+            <a:spAutoFit/>
+          </a:bodyPr>
+          <a:lstStyle/>
+          <a:p>
+            <a:r>
+              <a:rPr lang="en-US" altLang="zh-CN" dirty="0" smtClean="0"/>
+              <a:t>g</a:t>
+            </a:r>
+            <a:endParaRPr lang="zh-CN" altLang="en-US" dirty="0"/>
+          </a:p>
+        </p:txBody>
+      </p:sp>
+      <p:sp>
+        <p:nvSpPr>
+          <p:cNvPr id="126" name="矩形 125"/>
+          <p:cNvSpPr/>
+          <p:nvPr/>
+        </p:nvSpPr>
+        <p:spPr>
+          <a:xfrm>
+            <a:off x="3695731" y="4332817"/>
+            <a:ext cx="417387" cy="57449"/>
+          </a:xfrm>
+          <a:prstGeom prst="rect">
+            <a:avLst/>
+          </a:prstGeom>
+          <a:noFill/>
+          <a:ln>
+            <a:noFill/>
+          </a:ln>
+        </p:spPr>
+        <p:style>
+          <a:lnRef idx="2">
+            <a:schemeClr val="accent1">
+              <a:shade val="50000"/>
+            </a:schemeClr>
+          </a:lnRef>
+          <a:fillRef idx="1">
+            <a:schemeClr val="accent1"/>
+          </a:fillRef>
+          <a:effectRef idx="0">
+            <a:schemeClr val="accent1"/>
+          </a:effectRef>
+          <a:fontRef idx="minor">
+            <a:schemeClr val="lt1"/>
+          </a:fontRef>
+        </p:style>
+        <p:txBody>
+          <a:bodyPr rtlCol="0" anchor="ctr"/>
+          <a:lstStyle/>
+          <a:p>
+            <a:pPr algn="ctr"/>
+            <a:r>
+              <a:rPr lang="en-US" altLang="zh-CN" dirty="0">
+                <a:solidFill>
+                  <a:schemeClr val="tx1"/>
+                </a:solidFill>
+              </a:rPr>
+              <a:t>e</a:t>
+            </a:r>
+            <a:endParaRPr lang="zh-CN" altLang="en-US" dirty="0">
+              <a:solidFill>
+                <a:schemeClr val="tx1"/>
+              </a:solidFill>
+            </a:endParaRPr>
+          </a:p>
+        </p:txBody>
+      </p:sp>
+      <p:sp>
+        <p:nvSpPr>
+          <p:cNvPr id="127" name="矩形 126"/>
+          <p:cNvSpPr/>
+          <p:nvPr/>
+        </p:nvSpPr>
+        <p:spPr>
+          <a:xfrm>
+            <a:off x="4442553" y="4468536"/>
+            <a:ext cx="417387" cy="57449"/>
+          </a:xfrm>
+          <a:prstGeom prst="rect">
+            <a:avLst/>
+          </a:prstGeom>
+          <a:noFill/>
+          <a:ln>
+            <a:noFill/>
+          </a:ln>
+        </p:spPr>
+        <p:style>
+          <a:lnRef idx="2">
+            <a:schemeClr val="accent1">
+              <a:shade val="50000"/>
+            </a:schemeClr>
+          </a:lnRef>
+          <a:fillRef idx="1">
+            <a:schemeClr val="accent1"/>
+          </a:fillRef>
+          <a:effectRef idx="0">
+            <a:schemeClr val="accent1"/>
+          </a:effectRef>
+          <a:fontRef idx="minor">
+            <a:schemeClr val="lt1"/>
+          </a:fontRef>
+        </p:style>
+        <p:txBody>
+          <a:bodyPr rtlCol="0" anchor="ctr"/>
+          <a:lstStyle/>
+          <a:p>
+            <a:pPr algn="ctr"/>
+            <a:r>
+              <a:rPr lang="en-US" altLang="zh-CN" dirty="0" smtClean="0">
+                <a:solidFill>
+                  <a:schemeClr val="tx1"/>
+                </a:solidFill>
+              </a:rPr>
+              <a:t>d</a:t>
+            </a:r>
+            <a:endParaRPr lang="zh-CN" altLang="en-US" dirty="0">
+              <a:solidFill>
+                <a:schemeClr val="tx1"/>
+              </a:solidFill>
+            </a:endParaRPr>
+          </a:p>
+        </p:txBody>
+      </p:sp>
+      <p:sp>
+        <p:nvSpPr>
+          <p:cNvPr id="128" name="文本框 127"/>
+          <p:cNvSpPr txBox="1"/>
+          <p:nvPr/>
+        </p:nvSpPr>
+        <p:spPr>
+          <a:xfrm>
+            <a:off x="6618602" y="3316219"/>
+            <a:ext cx="295274" cy="360000"/>
+          </a:xfrm>
+          <a:prstGeom prst="rect">
+            <a:avLst/>
+          </a:prstGeom>
+          <a:noFill/>
+        </p:spPr>
+        <p:txBody>
+          <a:bodyPr wrap="none" rtlCol="0">
+            <a:spAutoFit/>
+          </a:bodyPr>
+          <a:lstStyle/>
+          <a:p>
+            <a:r>
+              <a:rPr lang="en-US" altLang="zh-CN" dirty="0" smtClean="0"/>
+              <a:t>a</a:t>
+            </a:r>
+            <a:endParaRPr lang="zh-CN" altLang="en-US" dirty="0"/>
+          </a:p>
+        </p:txBody>
+      </p:sp>
+      <p:sp>
+        <p:nvSpPr>
+          <p:cNvPr id="129" name="文本框 128"/>
+          <p:cNvSpPr txBox="1"/>
+          <p:nvPr/>
+        </p:nvSpPr>
+        <p:spPr>
+          <a:xfrm>
+            <a:off x="7357101" y="3415881"/>
+            <a:ext cx="306494" cy="360000"/>
+          </a:xfrm>
+          <a:prstGeom prst="rect">
+            <a:avLst/>
+          </a:prstGeom>
+          <a:noFill/>
+        </p:spPr>
+        <p:txBody>
+          <a:bodyPr wrap="none" rtlCol="0">
+            <a:spAutoFit/>
+          </a:bodyPr>
+          <a:lstStyle/>
+          <a:p>
+            <a:r>
+              <a:rPr lang="en-US" altLang="zh-CN" dirty="0" smtClean="0"/>
+              <a:t>b</a:t>
+            </a:r>
+            <a:endParaRPr lang="zh-CN" altLang="en-US" dirty="0"/>
+          </a:p>
+        </p:txBody>
+      </p:sp>
+      <p:sp>
+        <p:nvSpPr>
+          <p:cNvPr id="130" name="文本框 129"/>
+          <p:cNvSpPr txBox="1"/>
+          <p:nvPr/>
+        </p:nvSpPr>
+        <p:spPr>
+          <a:xfrm>
+            <a:off x="7658048" y="3761593"/>
+            <a:ext cx="282450" cy="360000"/>
+          </a:xfrm>
+          <a:prstGeom prst="rect">
+            <a:avLst/>
+          </a:prstGeom>
+          <a:noFill/>
+        </p:spPr>
+        <p:txBody>
+          <a:bodyPr wrap="none" rtlCol="0">
+            <a:spAutoFit/>
+          </a:bodyPr>
+          <a:lstStyle/>
+          <a:p>
+            <a:r>
+              <a:rPr lang="en-US" altLang="zh-CN" dirty="0" smtClean="0"/>
+              <a:t>c</a:t>
+            </a:r>
+            <a:endParaRPr lang="zh-CN" altLang="en-US" dirty="0"/>
+          </a:p>
+        </p:txBody>
+      </p:sp>
+      <p:sp>
+        <p:nvSpPr>
+          <p:cNvPr id="131" name="文本框 130"/>
+          <p:cNvSpPr txBox="1"/>
+          <p:nvPr/>
+        </p:nvSpPr>
+        <p:spPr>
+          <a:xfrm>
+            <a:off x="6167564" y="3567740"/>
+            <a:ext cx="255198" cy="360000"/>
+          </a:xfrm>
+          <a:prstGeom prst="rect">
+            <a:avLst/>
+          </a:prstGeom>
+          <a:noFill/>
+        </p:spPr>
+        <p:txBody>
+          <a:bodyPr wrap="none" rtlCol="0">
+            <a:spAutoFit/>
+          </a:bodyPr>
+          <a:lstStyle/>
+          <a:p>
+            <a:r>
+              <a:rPr lang="en-US" altLang="zh-CN" dirty="0" smtClean="0"/>
+              <a:t>f</a:t>
+            </a:r>
+            <a:endParaRPr lang="zh-CN" altLang="en-US" dirty="0"/>
+          </a:p>
+        </p:txBody>
+      </p:sp>
+      <p:sp>
+        <p:nvSpPr>
+          <p:cNvPr id="132" name="文本框 131"/>
+          <p:cNvSpPr txBox="1"/>
+          <p:nvPr/>
+        </p:nvSpPr>
+        <p:spPr>
+          <a:xfrm>
+            <a:off x="6843451" y="3647868"/>
+            <a:ext cx="295274" cy="360000"/>
+          </a:xfrm>
+          <a:prstGeom prst="rect">
+            <a:avLst/>
+          </a:prstGeom>
+          <a:noFill/>
+        </p:spPr>
+        <p:txBody>
+          <a:bodyPr wrap="none" rtlCol="0">
+            <a:spAutoFit/>
+          </a:bodyPr>
+          <a:lstStyle/>
+          <a:p>
+            <a:r>
+              <a:rPr lang="en-US" altLang="zh-CN" dirty="0" smtClean="0"/>
+              <a:t>g</a:t>
+            </a:r>
+            <a:endParaRPr lang="zh-CN" altLang="en-US" dirty="0"/>
+          </a:p>
+        </p:txBody>
+      </p:sp>
+      <p:sp>
+        <p:nvSpPr>
+          <p:cNvPr id="133" name="矩形 132"/>
+          <p:cNvSpPr/>
+          <p:nvPr/>
+        </p:nvSpPr>
+        <p:spPr>
+          <a:xfrm>
+            <a:off x="6447639" y="4274988"/>
+            <a:ext cx="417387" cy="126750"/>
+          </a:xfrm>
+          <a:prstGeom prst="rect">
+            <a:avLst/>
+          </a:prstGeom>
+          <a:noFill/>
+          <a:ln>
+            <a:noFill/>
+          </a:ln>
+        </p:spPr>
+        <p:style>
+          <a:lnRef idx="2">
+            <a:schemeClr val="accent1">
+              <a:shade val="50000"/>
+            </a:schemeClr>
+          </a:lnRef>
+          <a:fillRef idx="1">
+            <a:schemeClr val="accent1"/>
+          </a:fillRef>
+          <a:effectRef idx="0">
+            <a:schemeClr val="accent1"/>
+          </a:effectRef>
+          <a:fontRef idx="minor">
+            <a:schemeClr val="lt1"/>
+          </a:fontRef>
+        </p:style>
+        <p:txBody>
+          <a:bodyPr rtlCol="0" anchor="ctr"/>
+          <a:lstStyle/>
+          <a:p>
+            <a:pPr algn="ctr"/>
+            <a:r>
+              <a:rPr lang="en-US" altLang="zh-CN" dirty="0">
+                <a:solidFill>
+                  <a:schemeClr val="tx1"/>
+                </a:solidFill>
+              </a:rPr>
+              <a:t>e</a:t>
+            </a:r>
+            <a:endParaRPr lang="zh-CN" altLang="en-US" dirty="0">
+              <a:solidFill>
+                <a:schemeClr val="tx1"/>
+              </a:solidFill>
+            </a:endParaRPr>
+          </a:p>
+        </p:txBody>
+      </p:sp>
+      <p:sp>
+        <p:nvSpPr>
+          <p:cNvPr id="134" name="矩形 133"/>
+          <p:cNvSpPr/>
+          <p:nvPr/>
+        </p:nvSpPr>
+        <p:spPr>
+          <a:xfrm>
+            <a:off x="7194461" y="4410707"/>
+            <a:ext cx="417387" cy="126750"/>
+          </a:xfrm>
+          <a:prstGeom prst="rect">
+            <a:avLst/>
+          </a:prstGeom>
+          <a:noFill/>
+          <a:ln>
+            <a:noFill/>
+          </a:ln>
+        </p:spPr>
+        <p:style>
+          <a:lnRef idx="2">
+            <a:schemeClr val="accent1">
+              <a:shade val="50000"/>
+            </a:schemeClr>
+          </a:lnRef>
+          <a:fillRef idx="1">
+            <a:schemeClr val="accent1"/>
+          </a:fillRef>
+          <a:effectRef idx="0">
+            <a:schemeClr val="accent1"/>
+          </a:effectRef>
+          <a:fontRef idx="minor">
+            <a:schemeClr val="lt1"/>
+          </a:fontRef>
+        </p:style>
+        <p:txBody>
+          <a:bodyPr rtlCol="0" anchor="ctr"/>
+          <a:lstStyle/>
+          <a:p>
+            <a:pPr algn="ctr"/>
+            <a:r>
+              <a:rPr lang="en-US" altLang="zh-CN" dirty="0" smtClean="0">
+                <a:solidFill>
+                  <a:schemeClr val="tx1"/>
+                </a:solidFill>
+              </a:rPr>
+              <a:t>d</a:t>
+            </a:r>
+            <a:endParaRPr lang="zh-CN" altLang="en-US" dirty="0">
+              <a:solidFill>
+                <a:schemeClr val="tx1"/>
+              </a:solidFill>
+            </a:endParaRPr>
+          </a:p>
+        </p:txBody>
+      </p:sp>
+      <p:cxnSp>
+        <p:nvCxnSpPr>
+          <p:cNvPr id="206" name="直接连接符 205"/>
+          <p:cNvCxnSpPr>
+            <a:stCxn id="219" idx="7"/>
+            <a:endCxn id="214" idx="2"/>
+          </p:cNvCxnSpPr>
+          <p:nvPr/>
+        </p:nvCxnSpPr>
+        <p:spPr>
+          <a:xfrm flipV="1">
+            <a:off x="6456418" y="3323372"/>
+            <a:ext cx="292573" cy="383651"/>
+          </a:xfrm>
+          <a:prstGeom prst="line">
+            <a:avLst/>
+          </a:prstGeom>
+        </p:spPr>
+        <p:style>
+          <a:lnRef idx="1">
+            <a:schemeClr val="dk1"/>
+          </a:lnRef>
+          <a:fillRef idx="0">
+            <a:schemeClr val="dk1"/>
+          </a:fillRef>
+          <a:effectRef idx="0">
+            <a:schemeClr val="dk1"/>
+          </a:effectRef>
+          <a:fontRef idx="minor">
+            <a:schemeClr val="tx1"/>
+          </a:fontRef>
+        </p:style>
+      </p:cxnSp>
+      <p:cxnSp>
+        <p:nvCxnSpPr>
+          <p:cNvPr id="207" name="直接连接符 206"/>
+          <p:cNvCxnSpPr>
+            <a:stCxn id="213" idx="5"/>
+            <a:endCxn id="218" idx="5"/>
+          </p:cNvCxnSpPr>
+          <p:nvPr/>
+        </p:nvCxnSpPr>
+        <p:spPr>
+          <a:xfrm>
+            <a:off x="7592691" y="3472509"/>
+            <a:ext cx="415020" cy="559704"/>
+          </a:xfrm>
+          <a:prstGeom prst="line">
+            <a:avLst/>
+          </a:prstGeom>
+        </p:spPr>
+        <p:style>
+          <a:lnRef idx="1">
+            <a:schemeClr val="dk1"/>
+          </a:lnRef>
+          <a:fillRef idx="0">
+            <a:schemeClr val="dk1"/>
+          </a:fillRef>
+          <a:effectRef idx="0">
+            <a:schemeClr val="dk1"/>
+          </a:effectRef>
+          <a:fontRef idx="minor">
+            <a:schemeClr val="tx1"/>
+          </a:fontRef>
+        </p:style>
+      </p:cxnSp>
+      <p:cxnSp>
+        <p:nvCxnSpPr>
+          <p:cNvPr id="208" name="直接连接符 207"/>
+          <p:cNvCxnSpPr>
+            <a:stCxn id="217" idx="6"/>
+            <a:endCxn id="218" idx="3"/>
+          </p:cNvCxnSpPr>
+          <p:nvPr/>
+        </p:nvCxnSpPr>
+        <p:spPr>
+          <a:xfrm flipV="1">
+            <a:off x="7512342" y="4032213"/>
+            <a:ext cx="417459" cy="303788"/>
+          </a:xfrm>
+          <a:prstGeom prst="line">
+            <a:avLst/>
+          </a:prstGeom>
+        </p:spPr>
+        <p:style>
+          <a:lnRef idx="1">
+            <a:schemeClr val="dk1"/>
+          </a:lnRef>
+          <a:fillRef idx="0">
+            <a:schemeClr val="dk1"/>
+          </a:fillRef>
+          <a:effectRef idx="0">
+            <a:schemeClr val="dk1"/>
+          </a:effectRef>
+          <a:fontRef idx="minor">
+            <a:schemeClr val="tx1"/>
+          </a:fontRef>
+        </p:style>
+      </p:cxnSp>
+      <p:cxnSp>
+        <p:nvCxnSpPr>
+          <p:cNvPr id="209" name="直接连接符 208"/>
+          <p:cNvCxnSpPr>
+            <a:stCxn id="216" idx="7"/>
+            <a:endCxn id="213" idx="2"/>
+          </p:cNvCxnSpPr>
+          <p:nvPr/>
+        </p:nvCxnSpPr>
+        <p:spPr>
+          <a:xfrm flipV="1">
+            <a:off x="7233416" y="3433554"/>
+            <a:ext cx="265229" cy="424931"/>
+          </a:xfrm>
+          <a:prstGeom prst="line">
+            <a:avLst/>
+          </a:prstGeom>
+        </p:spPr>
+        <p:style>
+          <a:lnRef idx="1">
+            <a:schemeClr val="dk1"/>
+          </a:lnRef>
+          <a:fillRef idx="0">
+            <a:schemeClr val="dk1"/>
+          </a:fillRef>
+          <a:effectRef idx="0">
+            <a:schemeClr val="dk1"/>
+          </a:effectRef>
+          <a:fontRef idx="minor">
+            <a:schemeClr val="tx1"/>
+          </a:fontRef>
+        </p:style>
+      </p:cxnSp>
+      <p:cxnSp>
+        <p:nvCxnSpPr>
+          <p:cNvPr id="210" name="直接连接符 209"/>
+          <p:cNvCxnSpPr>
+            <a:stCxn id="214" idx="6"/>
+            <a:endCxn id="216" idx="1"/>
+          </p:cNvCxnSpPr>
+          <p:nvPr/>
+        </p:nvCxnSpPr>
+        <p:spPr>
+          <a:xfrm>
+            <a:off x="6859173" y="3323372"/>
+            <a:ext cx="296333" cy="535113"/>
+          </a:xfrm>
+          <a:prstGeom prst="line">
+            <a:avLst/>
+          </a:prstGeom>
+        </p:spPr>
+        <p:style>
+          <a:lnRef idx="1">
+            <a:schemeClr val="dk1"/>
+          </a:lnRef>
+          <a:fillRef idx="0">
+            <a:schemeClr val="dk1"/>
+          </a:fillRef>
+          <a:effectRef idx="0">
+            <a:schemeClr val="dk1"/>
+          </a:effectRef>
+          <a:fontRef idx="minor">
+            <a:schemeClr val="tx1"/>
+          </a:fontRef>
+        </p:style>
+      </p:cxnSp>
+      <p:cxnSp>
+        <p:nvCxnSpPr>
+          <p:cNvPr id="211" name="直接连接符 210"/>
+          <p:cNvCxnSpPr>
+            <a:stCxn id="219" idx="5"/>
+            <a:endCxn id="215" idx="1"/>
+          </p:cNvCxnSpPr>
+          <p:nvPr/>
+        </p:nvCxnSpPr>
+        <p:spPr>
+          <a:xfrm>
+            <a:off x="6456418" y="3784933"/>
+            <a:ext cx="208433" cy="424145"/>
+          </a:xfrm>
+          <a:prstGeom prst="line">
+            <a:avLst/>
+          </a:prstGeom>
+        </p:spPr>
+        <p:style>
+          <a:lnRef idx="1">
+            <a:schemeClr val="dk1"/>
+          </a:lnRef>
+          <a:fillRef idx="0">
+            <a:schemeClr val="dk1"/>
+          </a:fillRef>
+          <a:effectRef idx="0">
+            <a:schemeClr val="dk1"/>
+          </a:effectRef>
+          <a:fontRef idx="minor">
+            <a:schemeClr val="tx1"/>
+          </a:fontRef>
+        </p:style>
+      </p:cxnSp>
+      <p:cxnSp>
+        <p:nvCxnSpPr>
+          <p:cNvPr id="212" name="直接连接符 211"/>
+          <p:cNvCxnSpPr>
+            <a:stCxn id="214" idx="6"/>
+            <a:endCxn id="213" idx="1"/>
+          </p:cNvCxnSpPr>
+          <p:nvPr/>
+        </p:nvCxnSpPr>
+        <p:spPr>
+          <a:xfrm>
+            <a:off x="6859173" y="3323372"/>
+            <a:ext cx="655608" cy="71227"/>
+          </a:xfrm>
+          <a:prstGeom prst="line">
+            <a:avLst/>
+          </a:prstGeom>
+        </p:spPr>
+        <p:style>
+          <a:lnRef idx="1">
+            <a:schemeClr val="dk1"/>
+          </a:lnRef>
+          <a:fillRef idx="0">
+            <a:schemeClr val="dk1"/>
+          </a:fillRef>
+          <a:effectRef idx="0">
+            <a:schemeClr val="dk1"/>
+          </a:effectRef>
+          <a:fontRef idx="minor">
+            <a:schemeClr val="tx1"/>
+          </a:fontRef>
+        </p:style>
+      </p:cxnSp>
+      <p:sp>
+        <p:nvSpPr>
+          <p:cNvPr id="213" name="椭圆 212"/>
+          <p:cNvSpPr/>
+          <p:nvPr/>
+        </p:nvSpPr>
+        <p:spPr>
+          <a:xfrm>
+            <a:off x="7498645" y="3378463"/>
+            <a:ext cx="110182" cy="110182"/>
+          </a:xfrm>
+          <a:prstGeom prst="ellipse">
+            <a:avLst/>
+          </a:prstGeom>
+          <a:solidFill>
+            <a:schemeClr val="tx1"/>
+          </a:solidFill>
+          <a:ln>
+            <a:solidFill>
+              <a:schemeClr val="tx1"/>
+            </a:solidFill>
+          </a:ln>
+        </p:spPr>
+        <p:style>
+          <a:lnRef idx="2">
+            <a:schemeClr val="accent1">
+              <a:shade val="50000"/>
+            </a:schemeClr>
+          </a:lnRef>
+          <a:fillRef idx="1">
+            <a:schemeClr val="accent1"/>
+          </a:fillRef>
+          <a:effectRef idx="0">
+            <a:schemeClr val="accent1"/>
+          </a:effectRef>
+          <a:fontRef idx="minor">
+            <a:schemeClr val="lt1"/>
+          </a:fontRef>
+        </p:style>
+        <p:txBody>
+          <a:bodyPr rtlCol="0" anchor="ctr"/>
+          <a:lstStyle>
+            <a:defPPr>
+              <a:defRPr lang="zh-CN"/>
+            </a:defPPr>
+            <a:lvl1pPr marL="0" algn="l" defTabSz="914400" rtl="0" eaLnBrk="1" latinLnBrk="0" hangingPunct="1">
+              <a:defRPr sz="1800" kern="1200">
+                <a:solidFill>
+                  <a:schemeClr val="lt1"/>
+                </a:solidFill>
+                <a:latin typeface="+mn-lt"/>
+                <a:ea typeface="+mn-ea"/>
+                <a:cs typeface="+mn-cs"/>
+              </a:defRPr>
+            </a:lvl1pPr>
+            <a:lvl2pPr marL="457200" algn="l" defTabSz="914400" rtl="0" eaLnBrk="1" latinLnBrk="0" hangingPunct="1">
+              <a:defRPr sz="1800" kern="1200">
+                <a:solidFill>
+                  <a:schemeClr val="lt1"/>
+                </a:solidFill>
+                <a:latin typeface="+mn-lt"/>
+                <a:ea typeface="+mn-ea"/>
+                <a:cs typeface="+mn-cs"/>
+              </a:defRPr>
+            </a:lvl2pPr>
+            <a:lvl3pPr marL="914400" algn="l" defTabSz="914400" rtl="0" eaLnBrk="1" latinLnBrk="0" hangingPunct="1">
+              <a:defRPr sz="1800" kern="1200">
+                <a:solidFill>
+                  <a:schemeClr val="lt1"/>
+                </a:solidFill>
+                <a:latin typeface="+mn-lt"/>
+                <a:ea typeface="+mn-ea"/>
+                <a:cs typeface="+mn-cs"/>
+              </a:defRPr>
+            </a:lvl3pPr>
+            <a:lvl4pPr marL="1371600" algn="l" defTabSz="914400" rtl="0" eaLnBrk="1" latinLnBrk="0" hangingPunct="1">
+              <a:defRPr sz="1800" kern="1200">
+                <a:solidFill>
+                  <a:schemeClr val="lt1"/>
+                </a:solidFill>
+                <a:latin typeface="+mn-lt"/>
+                <a:ea typeface="+mn-ea"/>
+                <a:cs typeface="+mn-cs"/>
+              </a:defRPr>
+            </a:lvl4pPr>
+            <a:lvl5pPr marL="1828800" algn="l" defTabSz="914400" rtl="0" eaLnBrk="1" latinLnBrk="0" hangingPunct="1">
+              <a:defRPr sz="1800" kern="1200">
+                <a:solidFill>
+                  <a:schemeClr val="lt1"/>
+                </a:solidFill>
+                <a:latin typeface="+mn-lt"/>
+                <a:ea typeface="+mn-ea"/>
+                <a:cs typeface="+mn-cs"/>
+              </a:defRPr>
+            </a:lvl5pPr>
+            <a:lvl6pPr marL="2286000" algn="l" defTabSz="914400" rtl="0" eaLnBrk="1" latinLnBrk="0" hangingPunct="1">
+              <a:defRPr sz="1800" kern="1200">
+                <a:solidFill>
+                  <a:schemeClr val="lt1"/>
+                </a:solidFill>
+                <a:latin typeface="+mn-lt"/>
+                <a:ea typeface="+mn-ea"/>
+                <a:cs typeface="+mn-cs"/>
+              </a:defRPr>
+            </a:lvl6pPr>
+            <a:lvl7pPr marL="2743200" algn="l" defTabSz="914400" rtl="0" eaLnBrk="1" latinLnBrk="0" hangingPunct="1">
+              <a:defRPr sz="1800" kern="1200">
+                <a:solidFill>
+                  <a:schemeClr val="lt1"/>
+                </a:solidFill>
+                <a:latin typeface="+mn-lt"/>
+                <a:ea typeface="+mn-ea"/>
+                <a:cs typeface="+mn-cs"/>
+              </a:defRPr>
+            </a:lvl7pPr>
+            <a:lvl8pPr marL="3200400" algn="l" defTabSz="914400" rtl="0" eaLnBrk="1" latinLnBrk="0" hangingPunct="1">
+              <a:defRPr sz="1800" kern="1200">
+                <a:solidFill>
+                  <a:schemeClr val="lt1"/>
+                </a:solidFill>
+                <a:latin typeface="+mn-lt"/>
+                <a:ea typeface="+mn-ea"/>
+                <a:cs typeface="+mn-cs"/>
+              </a:defRPr>
+            </a:lvl8pPr>
+            <a:lvl9pPr marL="3657600" algn="l" defTabSz="914400" rtl="0" eaLnBrk="1" latinLnBrk="0" hangingPunct="1">
+              <a:defRPr sz="1800" kern="1200">
+                <a:solidFill>
+                  <a:schemeClr val="lt1"/>
+                </a:solidFill>
+                <a:latin typeface="+mn-lt"/>
+                <a:ea typeface="+mn-ea"/>
+                <a:cs typeface="+mn-cs"/>
+              </a:defRPr>
+            </a:lvl9pPr>
+          </a:lstStyle>
+          <a:p>
+            <a:pPr algn="ctr"/>
+            <a:endParaRPr lang="zh-CN" altLang="en-US"/>
+          </a:p>
+        </p:txBody>
+      </p:sp>
+      <p:sp>
+        <p:nvSpPr>
+          <p:cNvPr id="214" name="椭圆 213"/>
+          <p:cNvSpPr/>
+          <p:nvPr/>
+        </p:nvSpPr>
+        <p:spPr>
+          <a:xfrm>
+            <a:off x="6748991" y="3268281"/>
+            <a:ext cx="110182" cy="110182"/>
+          </a:xfrm>
+          <a:prstGeom prst="ellipse">
+            <a:avLst/>
+          </a:prstGeom>
+          <a:solidFill>
+            <a:schemeClr val="tx1"/>
+          </a:solidFill>
+          <a:ln>
+            <a:solidFill>
+              <a:schemeClr val="tx1"/>
+            </a:solidFill>
+          </a:ln>
+        </p:spPr>
+        <p:style>
+          <a:lnRef idx="2">
+            <a:schemeClr val="accent1">
+              <a:shade val="50000"/>
+            </a:schemeClr>
+          </a:lnRef>
+          <a:fillRef idx="1">
+            <a:schemeClr val="accent1"/>
+          </a:fillRef>
+          <a:effectRef idx="0">
+            <a:schemeClr val="accent1"/>
+          </a:effectRef>
+          <a:fontRef idx="minor">
+            <a:schemeClr val="lt1"/>
+          </a:fontRef>
+        </p:style>
+        <p:txBody>
+          <a:bodyPr rtlCol="0" anchor="ctr"/>
+          <a:lstStyle>
+            <a:defPPr>
+              <a:defRPr lang="zh-CN"/>
+            </a:defPPr>
+            <a:lvl1pPr marL="0" algn="l" defTabSz="914400" rtl="0" eaLnBrk="1" latinLnBrk="0" hangingPunct="1">
+              <a:defRPr sz="1800" kern="1200">
+                <a:solidFill>
+                  <a:schemeClr val="lt1"/>
+                </a:solidFill>
+                <a:latin typeface="+mn-lt"/>
+                <a:ea typeface="+mn-ea"/>
+                <a:cs typeface="+mn-cs"/>
+              </a:defRPr>
+            </a:lvl1pPr>
+            <a:lvl2pPr marL="457200" algn="l" defTabSz="914400" rtl="0" eaLnBrk="1" latinLnBrk="0" hangingPunct="1">
+              <a:defRPr sz="1800" kern="1200">
+                <a:solidFill>
+                  <a:schemeClr val="lt1"/>
+                </a:solidFill>
+                <a:latin typeface="+mn-lt"/>
+                <a:ea typeface="+mn-ea"/>
+                <a:cs typeface="+mn-cs"/>
+              </a:defRPr>
+            </a:lvl2pPr>
+            <a:lvl3pPr marL="914400" algn="l" defTabSz="914400" rtl="0" eaLnBrk="1" latinLnBrk="0" hangingPunct="1">
+              <a:defRPr sz="1800" kern="1200">
+                <a:solidFill>
+                  <a:schemeClr val="lt1"/>
+                </a:solidFill>
+                <a:latin typeface="+mn-lt"/>
+                <a:ea typeface="+mn-ea"/>
+                <a:cs typeface="+mn-cs"/>
+              </a:defRPr>
+            </a:lvl3pPr>
+            <a:lvl4pPr marL="1371600" algn="l" defTabSz="914400" rtl="0" eaLnBrk="1" latinLnBrk="0" hangingPunct="1">
+              <a:defRPr sz="1800" kern="1200">
+                <a:solidFill>
+                  <a:schemeClr val="lt1"/>
+                </a:solidFill>
+                <a:latin typeface="+mn-lt"/>
+                <a:ea typeface="+mn-ea"/>
+                <a:cs typeface="+mn-cs"/>
+              </a:defRPr>
+            </a:lvl4pPr>
+            <a:lvl5pPr marL="1828800" algn="l" defTabSz="914400" rtl="0" eaLnBrk="1" latinLnBrk="0" hangingPunct="1">
+              <a:defRPr sz="1800" kern="1200">
+                <a:solidFill>
+                  <a:schemeClr val="lt1"/>
+                </a:solidFill>
+                <a:latin typeface="+mn-lt"/>
+                <a:ea typeface="+mn-ea"/>
+                <a:cs typeface="+mn-cs"/>
+              </a:defRPr>
+            </a:lvl5pPr>
+            <a:lvl6pPr marL="2286000" algn="l" defTabSz="914400" rtl="0" eaLnBrk="1" latinLnBrk="0" hangingPunct="1">
+              <a:defRPr sz="1800" kern="1200">
+                <a:solidFill>
+                  <a:schemeClr val="lt1"/>
+                </a:solidFill>
+                <a:latin typeface="+mn-lt"/>
+                <a:ea typeface="+mn-ea"/>
+                <a:cs typeface="+mn-cs"/>
+              </a:defRPr>
+            </a:lvl6pPr>
+            <a:lvl7pPr marL="2743200" algn="l" defTabSz="914400" rtl="0" eaLnBrk="1" latinLnBrk="0" hangingPunct="1">
+              <a:defRPr sz="1800" kern="1200">
+                <a:solidFill>
+                  <a:schemeClr val="lt1"/>
+                </a:solidFill>
+                <a:latin typeface="+mn-lt"/>
+                <a:ea typeface="+mn-ea"/>
+                <a:cs typeface="+mn-cs"/>
+              </a:defRPr>
+            </a:lvl7pPr>
+            <a:lvl8pPr marL="3200400" algn="l" defTabSz="914400" rtl="0" eaLnBrk="1" latinLnBrk="0" hangingPunct="1">
+              <a:defRPr sz="1800" kern="1200">
+                <a:solidFill>
+                  <a:schemeClr val="lt1"/>
+                </a:solidFill>
+                <a:latin typeface="+mn-lt"/>
+                <a:ea typeface="+mn-ea"/>
+                <a:cs typeface="+mn-cs"/>
+              </a:defRPr>
+            </a:lvl8pPr>
+            <a:lvl9pPr marL="3657600" algn="l" defTabSz="914400" rtl="0" eaLnBrk="1" latinLnBrk="0" hangingPunct="1">
+              <a:defRPr sz="1800" kern="1200">
+                <a:solidFill>
+                  <a:schemeClr val="lt1"/>
+                </a:solidFill>
+                <a:latin typeface="+mn-lt"/>
+                <a:ea typeface="+mn-ea"/>
+                <a:cs typeface="+mn-cs"/>
+              </a:defRPr>
+            </a:lvl9pPr>
+          </a:lstStyle>
+          <a:p>
+            <a:pPr algn="ctr"/>
+            <a:endParaRPr lang="zh-CN" altLang="en-US"/>
+          </a:p>
+        </p:txBody>
+      </p:sp>
+      <p:sp>
+        <p:nvSpPr>
+          <p:cNvPr id="215" name="椭圆 214"/>
+          <p:cNvSpPr/>
+          <p:nvPr/>
+        </p:nvSpPr>
+        <p:spPr>
+          <a:xfrm>
+            <a:off x="6648715" y="4192942"/>
+            <a:ext cx="110182" cy="110182"/>
+          </a:xfrm>
+          <a:prstGeom prst="ellipse">
+            <a:avLst/>
+          </a:prstGeom>
+          <a:solidFill>
+            <a:schemeClr val="tx1"/>
+          </a:solidFill>
+          <a:ln>
+            <a:solidFill>
+              <a:schemeClr val="tx1"/>
+            </a:solidFill>
+          </a:ln>
+        </p:spPr>
+        <p:style>
+          <a:lnRef idx="2">
+            <a:schemeClr val="accent1">
+              <a:shade val="50000"/>
+            </a:schemeClr>
+          </a:lnRef>
+          <a:fillRef idx="1">
+            <a:schemeClr val="accent1"/>
+          </a:fillRef>
+          <a:effectRef idx="0">
+            <a:schemeClr val="accent1"/>
+          </a:effectRef>
+          <a:fontRef idx="minor">
+            <a:schemeClr val="lt1"/>
+          </a:fontRef>
+        </p:style>
+        <p:txBody>
+          <a:bodyPr rtlCol="0" anchor="ctr"/>
+          <a:lstStyle>
+            <a:defPPr>
+              <a:defRPr lang="zh-CN"/>
+            </a:defPPr>
+            <a:lvl1pPr marL="0" algn="l" defTabSz="914400" rtl="0" eaLnBrk="1" latinLnBrk="0" hangingPunct="1">
+              <a:defRPr sz="1800" kern="1200">
+                <a:solidFill>
+                  <a:schemeClr val="lt1"/>
+                </a:solidFill>
+                <a:latin typeface="+mn-lt"/>
+                <a:ea typeface="+mn-ea"/>
+                <a:cs typeface="+mn-cs"/>
+              </a:defRPr>
+            </a:lvl1pPr>
+            <a:lvl2pPr marL="457200" algn="l" defTabSz="914400" rtl="0" eaLnBrk="1" latinLnBrk="0" hangingPunct="1">
+              <a:defRPr sz="1800" kern="1200">
+                <a:solidFill>
+                  <a:schemeClr val="lt1"/>
+                </a:solidFill>
+                <a:latin typeface="+mn-lt"/>
+                <a:ea typeface="+mn-ea"/>
+                <a:cs typeface="+mn-cs"/>
+              </a:defRPr>
+            </a:lvl2pPr>
+            <a:lvl3pPr marL="914400" algn="l" defTabSz="914400" rtl="0" eaLnBrk="1" latinLnBrk="0" hangingPunct="1">
+              <a:defRPr sz="1800" kern="1200">
+                <a:solidFill>
+                  <a:schemeClr val="lt1"/>
+                </a:solidFill>
+                <a:latin typeface="+mn-lt"/>
+                <a:ea typeface="+mn-ea"/>
+                <a:cs typeface="+mn-cs"/>
+              </a:defRPr>
+            </a:lvl3pPr>
+            <a:lvl4pPr marL="1371600" algn="l" defTabSz="914400" rtl="0" eaLnBrk="1" latinLnBrk="0" hangingPunct="1">
+              <a:defRPr sz="1800" kern="1200">
+                <a:solidFill>
+                  <a:schemeClr val="lt1"/>
+                </a:solidFill>
+                <a:latin typeface="+mn-lt"/>
+                <a:ea typeface="+mn-ea"/>
+                <a:cs typeface="+mn-cs"/>
+              </a:defRPr>
+            </a:lvl4pPr>
+            <a:lvl5pPr marL="1828800" algn="l" defTabSz="914400" rtl="0" eaLnBrk="1" latinLnBrk="0" hangingPunct="1">
+              <a:defRPr sz="1800" kern="1200">
+                <a:solidFill>
+                  <a:schemeClr val="lt1"/>
+                </a:solidFill>
+                <a:latin typeface="+mn-lt"/>
+                <a:ea typeface="+mn-ea"/>
+                <a:cs typeface="+mn-cs"/>
+              </a:defRPr>
+            </a:lvl5pPr>
+            <a:lvl6pPr marL="2286000" algn="l" defTabSz="914400" rtl="0" eaLnBrk="1" latinLnBrk="0" hangingPunct="1">
+              <a:defRPr sz="1800" kern="1200">
+                <a:solidFill>
+                  <a:schemeClr val="lt1"/>
+                </a:solidFill>
+                <a:latin typeface="+mn-lt"/>
+                <a:ea typeface="+mn-ea"/>
+                <a:cs typeface="+mn-cs"/>
+              </a:defRPr>
+            </a:lvl6pPr>
+            <a:lvl7pPr marL="2743200" algn="l" defTabSz="914400" rtl="0" eaLnBrk="1" latinLnBrk="0" hangingPunct="1">
+              <a:defRPr sz="1800" kern="1200">
+                <a:solidFill>
+                  <a:schemeClr val="lt1"/>
+                </a:solidFill>
+                <a:latin typeface="+mn-lt"/>
+                <a:ea typeface="+mn-ea"/>
+                <a:cs typeface="+mn-cs"/>
+              </a:defRPr>
+            </a:lvl7pPr>
+            <a:lvl8pPr marL="3200400" algn="l" defTabSz="914400" rtl="0" eaLnBrk="1" latinLnBrk="0" hangingPunct="1">
+              <a:defRPr sz="1800" kern="1200">
+                <a:solidFill>
+                  <a:schemeClr val="lt1"/>
+                </a:solidFill>
+                <a:latin typeface="+mn-lt"/>
+                <a:ea typeface="+mn-ea"/>
+                <a:cs typeface="+mn-cs"/>
+              </a:defRPr>
+            </a:lvl8pPr>
+            <a:lvl9pPr marL="3657600" algn="l" defTabSz="914400" rtl="0" eaLnBrk="1" latinLnBrk="0" hangingPunct="1">
+              <a:defRPr sz="1800" kern="1200">
+                <a:solidFill>
+                  <a:schemeClr val="lt1"/>
+                </a:solidFill>
+                <a:latin typeface="+mn-lt"/>
+                <a:ea typeface="+mn-ea"/>
+                <a:cs typeface="+mn-cs"/>
+              </a:defRPr>
+            </a:lvl9pPr>
+          </a:lstStyle>
+          <a:p>
+            <a:pPr algn="ctr"/>
+            <a:endParaRPr lang="zh-CN" altLang="en-US"/>
+          </a:p>
+        </p:txBody>
+      </p:sp>
+      <p:sp>
+        <p:nvSpPr>
+          <p:cNvPr id="216" name="椭圆 215"/>
+          <p:cNvSpPr/>
+          <p:nvPr/>
+        </p:nvSpPr>
+        <p:spPr>
+          <a:xfrm>
+            <a:off x="7139370" y="3842349"/>
+            <a:ext cx="110182" cy="110182"/>
+          </a:xfrm>
+          <a:prstGeom prst="ellipse">
+            <a:avLst/>
+          </a:prstGeom>
+          <a:solidFill>
+            <a:schemeClr val="tx1"/>
+          </a:solidFill>
+          <a:ln>
+            <a:solidFill>
+              <a:schemeClr val="tx1"/>
+            </a:solidFill>
+          </a:ln>
+        </p:spPr>
+        <p:style>
+          <a:lnRef idx="2">
+            <a:schemeClr val="accent1">
+              <a:shade val="50000"/>
+            </a:schemeClr>
+          </a:lnRef>
+          <a:fillRef idx="1">
+            <a:schemeClr val="accent1"/>
+          </a:fillRef>
+          <a:effectRef idx="0">
+            <a:schemeClr val="accent1"/>
+          </a:effectRef>
+          <a:fontRef idx="minor">
+            <a:schemeClr val="lt1"/>
+          </a:fontRef>
+        </p:style>
+        <p:txBody>
+          <a:bodyPr rtlCol="0" anchor="ctr"/>
+          <a:lstStyle>
+            <a:defPPr>
+              <a:defRPr lang="zh-CN"/>
+            </a:defPPr>
+            <a:lvl1pPr marL="0" algn="l" defTabSz="914400" rtl="0" eaLnBrk="1" latinLnBrk="0" hangingPunct="1">
+              <a:defRPr sz="1800" kern="1200">
+                <a:solidFill>
+                  <a:schemeClr val="lt1"/>
+                </a:solidFill>
+                <a:latin typeface="+mn-lt"/>
+                <a:ea typeface="+mn-ea"/>
+                <a:cs typeface="+mn-cs"/>
+              </a:defRPr>
+            </a:lvl1pPr>
+            <a:lvl2pPr marL="457200" algn="l" defTabSz="914400" rtl="0" eaLnBrk="1" latinLnBrk="0" hangingPunct="1">
+              <a:defRPr sz="1800" kern="1200">
+                <a:solidFill>
+                  <a:schemeClr val="lt1"/>
+                </a:solidFill>
+                <a:latin typeface="+mn-lt"/>
+                <a:ea typeface="+mn-ea"/>
+                <a:cs typeface="+mn-cs"/>
+              </a:defRPr>
+            </a:lvl2pPr>
+            <a:lvl3pPr marL="914400" algn="l" defTabSz="914400" rtl="0" eaLnBrk="1" latinLnBrk="0" hangingPunct="1">
+              <a:defRPr sz="1800" kern="1200">
+                <a:solidFill>
+                  <a:schemeClr val="lt1"/>
+                </a:solidFill>
+                <a:latin typeface="+mn-lt"/>
+                <a:ea typeface="+mn-ea"/>
+                <a:cs typeface="+mn-cs"/>
+              </a:defRPr>
+            </a:lvl3pPr>
+            <a:lvl4pPr marL="1371600" algn="l" defTabSz="914400" rtl="0" eaLnBrk="1" latinLnBrk="0" hangingPunct="1">
+              <a:defRPr sz="1800" kern="1200">
+                <a:solidFill>
+                  <a:schemeClr val="lt1"/>
+                </a:solidFill>
+                <a:latin typeface="+mn-lt"/>
+                <a:ea typeface="+mn-ea"/>
+                <a:cs typeface="+mn-cs"/>
+              </a:defRPr>
+            </a:lvl4pPr>
+            <a:lvl5pPr marL="1828800" algn="l" defTabSz="914400" rtl="0" eaLnBrk="1" latinLnBrk="0" hangingPunct="1">
+              <a:defRPr sz="1800" kern="1200">
+                <a:solidFill>
+                  <a:schemeClr val="lt1"/>
+                </a:solidFill>
+                <a:latin typeface="+mn-lt"/>
+                <a:ea typeface="+mn-ea"/>
+                <a:cs typeface="+mn-cs"/>
+              </a:defRPr>
+            </a:lvl5pPr>
+            <a:lvl6pPr marL="2286000" algn="l" defTabSz="914400" rtl="0" eaLnBrk="1" latinLnBrk="0" hangingPunct="1">
+              <a:defRPr sz="1800" kern="1200">
+                <a:solidFill>
+                  <a:schemeClr val="lt1"/>
+                </a:solidFill>
+                <a:latin typeface="+mn-lt"/>
+                <a:ea typeface="+mn-ea"/>
+                <a:cs typeface="+mn-cs"/>
+              </a:defRPr>
+            </a:lvl6pPr>
+            <a:lvl7pPr marL="2743200" algn="l" defTabSz="914400" rtl="0" eaLnBrk="1" latinLnBrk="0" hangingPunct="1">
+              <a:defRPr sz="1800" kern="1200">
+                <a:solidFill>
+                  <a:schemeClr val="lt1"/>
+                </a:solidFill>
+                <a:latin typeface="+mn-lt"/>
+                <a:ea typeface="+mn-ea"/>
+                <a:cs typeface="+mn-cs"/>
+              </a:defRPr>
+            </a:lvl7pPr>
+            <a:lvl8pPr marL="3200400" algn="l" defTabSz="914400" rtl="0" eaLnBrk="1" latinLnBrk="0" hangingPunct="1">
+              <a:defRPr sz="1800" kern="1200">
+                <a:solidFill>
+                  <a:schemeClr val="lt1"/>
+                </a:solidFill>
+                <a:latin typeface="+mn-lt"/>
+                <a:ea typeface="+mn-ea"/>
+                <a:cs typeface="+mn-cs"/>
+              </a:defRPr>
+            </a:lvl8pPr>
+            <a:lvl9pPr marL="3657600" algn="l" defTabSz="914400" rtl="0" eaLnBrk="1" latinLnBrk="0" hangingPunct="1">
+              <a:defRPr sz="1800" kern="1200">
+                <a:solidFill>
+                  <a:schemeClr val="lt1"/>
+                </a:solidFill>
+                <a:latin typeface="+mn-lt"/>
+                <a:ea typeface="+mn-ea"/>
+                <a:cs typeface="+mn-cs"/>
+              </a:defRPr>
+            </a:lvl9pPr>
+          </a:lstStyle>
+          <a:p>
+            <a:pPr algn="ctr"/>
+            <a:endParaRPr lang="zh-CN" altLang="en-US"/>
+          </a:p>
+        </p:txBody>
+      </p:sp>
+      <p:sp>
+        <p:nvSpPr>
+          <p:cNvPr id="217" name="椭圆 216"/>
+          <p:cNvSpPr/>
+          <p:nvPr/>
+        </p:nvSpPr>
+        <p:spPr>
+          <a:xfrm>
+            <a:off x="7402160" y="4280910"/>
+            <a:ext cx="110182" cy="110182"/>
+          </a:xfrm>
+          <a:prstGeom prst="ellipse">
+            <a:avLst/>
+          </a:prstGeom>
+          <a:solidFill>
+            <a:schemeClr val="tx1"/>
+          </a:solidFill>
+          <a:ln>
+            <a:solidFill>
+              <a:schemeClr val="tx1"/>
+            </a:solidFill>
+          </a:ln>
+        </p:spPr>
+        <p:style>
+          <a:lnRef idx="2">
+            <a:schemeClr val="accent1">
+              <a:shade val="50000"/>
+            </a:schemeClr>
+          </a:lnRef>
+          <a:fillRef idx="1">
+            <a:schemeClr val="accent1"/>
+          </a:fillRef>
+          <a:effectRef idx="0">
+            <a:schemeClr val="accent1"/>
+          </a:effectRef>
+          <a:fontRef idx="minor">
+            <a:schemeClr val="lt1"/>
+          </a:fontRef>
+        </p:style>
+        <p:txBody>
+          <a:bodyPr rtlCol="0" anchor="ctr"/>
+          <a:lstStyle>
+            <a:defPPr>
+              <a:defRPr lang="zh-CN"/>
+            </a:defPPr>
+            <a:lvl1pPr marL="0" algn="l" defTabSz="914400" rtl="0" eaLnBrk="1" latinLnBrk="0" hangingPunct="1">
+              <a:defRPr sz="1800" kern="1200">
+                <a:solidFill>
+                  <a:schemeClr val="lt1"/>
+                </a:solidFill>
+                <a:latin typeface="+mn-lt"/>
+                <a:ea typeface="+mn-ea"/>
+                <a:cs typeface="+mn-cs"/>
+              </a:defRPr>
+            </a:lvl1pPr>
+            <a:lvl2pPr marL="457200" algn="l" defTabSz="914400" rtl="0" eaLnBrk="1" latinLnBrk="0" hangingPunct="1">
+              <a:defRPr sz="1800" kern="1200">
+                <a:solidFill>
+                  <a:schemeClr val="lt1"/>
+                </a:solidFill>
+                <a:latin typeface="+mn-lt"/>
+                <a:ea typeface="+mn-ea"/>
+                <a:cs typeface="+mn-cs"/>
+              </a:defRPr>
+            </a:lvl2pPr>
+            <a:lvl3pPr marL="914400" algn="l" defTabSz="914400" rtl="0" eaLnBrk="1" latinLnBrk="0" hangingPunct="1">
+              <a:defRPr sz="1800" kern="1200">
+                <a:solidFill>
+                  <a:schemeClr val="lt1"/>
+                </a:solidFill>
+                <a:latin typeface="+mn-lt"/>
+                <a:ea typeface="+mn-ea"/>
+                <a:cs typeface="+mn-cs"/>
+              </a:defRPr>
+            </a:lvl3pPr>
+            <a:lvl4pPr marL="1371600" algn="l" defTabSz="914400" rtl="0" eaLnBrk="1" latinLnBrk="0" hangingPunct="1">
+              <a:defRPr sz="1800" kern="1200">
+                <a:solidFill>
+                  <a:schemeClr val="lt1"/>
+                </a:solidFill>
+                <a:latin typeface="+mn-lt"/>
+                <a:ea typeface="+mn-ea"/>
+                <a:cs typeface="+mn-cs"/>
+              </a:defRPr>
+            </a:lvl4pPr>
+            <a:lvl5pPr marL="1828800" algn="l" defTabSz="914400" rtl="0" eaLnBrk="1" latinLnBrk="0" hangingPunct="1">
+              <a:defRPr sz="1800" kern="1200">
+                <a:solidFill>
+                  <a:schemeClr val="lt1"/>
+                </a:solidFill>
+                <a:latin typeface="+mn-lt"/>
+                <a:ea typeface="+mn-ea"/>
+                <a:cs typeface="+mn-cs"/>
+              </a:defRPr>
+            </a:lvl5pPr>
+            <a:lvl6pPr marL="2286000" algn="l" defTabSz="914400" rtl="0" eaLnBrk="1" latinLnBrk="0" hangingPunct="1">
+              <a:defRPr sz="1800" kern="1200">
+                <a:solidFill>
+                  <a:schemeClr val="lt1"/>
+                </a:solidFill>
+                <a:latin typeface="+mn-lt"/>
+                <a:ea typeface="+mn-ea"/>
+                <a:cs typeface="+mn-cs"/>
+              </a:defRPr>
+            </a:lvl6pPr>
+            <a:lvl7pPr marL="2743200" algn="l" defTabSz="914400" rtl="0" eaLnBrk="1" latinLnBrk="0" hangingPunct="1">
+              <a:defRPr sz="1800" kern="1200">
+                <a:solidFill>
+                  <a:schemeClr val="lt1"/>
+                </a:solidFill>
+                <a:latin typeface="+mn-lt"/>
+                <a:ea typeface="+mn-ea"/>
+                <a:cs typeface="+mn-cs"/>
+              </a:defRPr>
+            </a:lvl7pPr>
+            <a:lvl8pPr marL="3200400" algn="l" defTabSz="914400" rtl="0" eaLnBrk="1" latinLnBrk="0" hangingPunct="1">
+              <a:defRPr sz="1800" kern="1200">
+                <a:solidFill>
+                  <a:schemeClr val="lt1"/>
+                </a:solidFill>
+                <a:latin typeface="+mn-lt"/>
+                <a:ea typeface="+mn-ea"/>
+                <a:cs typeface="+mn-cs"/>
+              </a:defRPr>
+            </a:lvl8pPr>
+            <a:lvl9pPr marL="3657600" algn="l" defTabSz="914400" rtl="0" eaLnBrk="1" latinLnBrk="0" hangingPunct="1">
+              <a:defRPr sz="1800" kern="1200">
+                <a:solidFill>
+                  <a:schemeClr val="lt1"/>
+                </a:solidFill>
+                <a:latin typeface="+mn-lt"/>
+                <a:ea typeface="+mn-ea"/>
+                <a:cs typeface="+mn-cs"/>
+              </a:defRPr>
+            </a:lvl9pPr>
+          </a:lstStyle>
+          <a:p>
+            <a:pPr algn="ctr"/>
+            <a:endParaRPr lang="zh-CN" altLang="en-US"/>
+          </a:p>
+        </p:txBody>
+      </p:sp>
+      <p:sp>
+        <p:nvSpPr>
+          <p:cNvPr id="218" name="椭圆 217"/>
+          <p:cNvSpPr/>
+          <p:nvPr/>
+        </p:nvSpPr>
+        <p:spPr>
+          <a:xfrm>
+            <a:off x="7913665" y="3938167"/>
+            <a:ext cx="110182" cy="110182"/>
+          </a:xfrm>
+          <a:prstGeom prst="ellipse">
+            <a:avLst/>
+          </a:prstGeom>
+          <a:solidFill>
+            <a:schemeClr val="tx1"/>
+          </a:solidFill>
+          <a:ln>
+            <a:solidFill>
+              <a:schemeClr val="tx1"/>
+            </a:solidFill>
+          </a:ln>
+        </p:spPr>
+        <p:style>
+          <a:lnRef idx="2">
+            <a:schemeClr val="accent1">
+              <a:shade val="50000"/>
+            </a:schemeClr>
+          </a:lnRef>
+          <a:fillRef idx="1">
+            <a:schemeClr val="accent1"/>
+          </a:fillRef>
+          <a:effectRef idx="0">
+            <a:schemeClr val="accent1"/>
+          </a:effectRef>
+          <a:fontRef idx="minor">
+            <a:schemeClr val="lt1"/>
+          </a:fontRef>
+        </p:style>
+        <p:txBody>
+          <a:bodyPr rtlCol="0" anchor="ctr"/>
+          <a:lstStyle>
+            <a:defPPr>
+              <a:defRPr lang="zh-CN"/>
+            </a:defPPr>
+            <a:lvl1pPr marL="0" algn="l" defTabSz="914400" rtl="0" eaLnBrk="1" latinLnBrk="0" hangingPunct="1">
+              <a:defRPr sz="1800" kern="1200">
+                <a:solidFill>
+                  <a:schemeClr val="lt1"/>
+                </a:solidFill>
+                <a:latin typeface="+mn-lt"/>
+                <a:ea typeface="+mn-ea"/>
+                <a:cs typeface="+mn-cs"/>
+              </a:defRPr>
+            </a:lvl1pPr>
+            <a:lvl2pPr marL="457200" algn="l" defTabSz="914400" rtl="0" eaLnBrk="1" latinLnBrk="0" hangingPunct="1">
+              <a:defRPr sz="1800" kern="1200">
+                <a:solidFill>
+                  <a:schemeClr val="lt1"/>
+                </a:solidFill>
+                <a:latin typeface="+mn-lt"/>
+                <a:ea typeface="+mn-ea"/>
+                <a:cs typeface="+mn-cs"/>
+              </a:defRPr>
+            </a:lvl2pPr>
+            <a:lvl3pPr marL="914400" algn="l" defTabSz="914400" rtl="0" eaLnBrk="1" latinLnBrk="0" hangingPunct="1">
+              <a:defRPr sz="1800" kern="1200">
+                <a:solidFill>
+                  <a:schemeClr val="lt1"/>
+                </a:solidFill>
+                <a:latin typeface="+mn-lt"/>
+                <a:ea typeface="+mn-ea"/>
+                <a:cs typeface="+mn-cs"/>
+              </a:defRPr>
+            </a:lvl3pPr>
+            <a:lvl4pPr marL="1371600" algn="l" defTabSz="914400" rtl="0" eaLnBrk="1" latinLnBrk="0" hangingPunct="1">
+              <a:defRPr sz="1800" kern="1200">
+                <a:solidFill>
+                  <a:schemeClr val="lt1"/>
+                </a:solidFill>
+                <a:latin typeface="+mn-lt"/>
+                <a:ea typeface="+mn-ea"/>
+                <a:cs typeface="+mn-cs"/>
+              </a:defRPr>
+            </a:lvl4pPr>
+            <a:lvl5pPr marL="1828800" algn="l" defTabSz="914400" rtl="0" eaLnBrk="1" latinLnBrk="0" hangingPunct="1">
+              <a:defRPr sz="1800" kern="1200">
+                <a:solidFill>
+                  <a:schemeClr val="lt1"/>
+                </a:solidFill>
+                <a:latin typeface="+mn-lt"/>
+                <a:ea typeface="+mn-ea"/>
+                <a:cs typeface="+mn-cs"/>
+              </a:defRPr>
+            </a:lvl5pPr>
+            <a:lvl6pPr marL="2286000" algn="l" defTabSz="914400" rtl="0" eaLnBrk="1" latinLnBrk="0" hangingPunct="1">
+              <a:defRPr sz="1800" kern="1200">
+                <a:solidFill>
+                  <a:schemeClr val="lt1"/>
+                </a:solidFill>
+                <a:latin typeface="+mn-lt"/>
+                <a:ea typeface="+mn-ea"/>
+                <a:cs typeface="+mn-cs"/>
+              </a:defRPr>
+            </a:lvl6pPr>
+            <a:lvl7pPr marL="2743200" algn="l" defTabSz="914400" rtl="0" eaLnBrk="1" latinLnBrk="0" hangingPunct="1">
+              <a:defRPr sz="1800" kern="1200">
+                <a:solidFill>
+                  <a:schemeClr val="lt1"/>
+                </a:solidFill>
+                <a:latin typeface="+mn-lt"/>
+                <a:ea typeface="+mn-ea"/>
+                <a:cs typeface="+mn-cs"/>
+              </a:defRPr>
+            </a:lvl7pPr>
+            <a:lvl8pPr marL="3200400" algn="l" defTabSz="914400" rtl="0" eaLnBrk="1" latinLnBrk="0" hangingPunct="1">
+              <a:defRPr sz="1800" kern="1200">
+                <a:solidFill>
+                  <a:schemeClr val="lt1"/>
+                </a:solidFill>
+                <a:latin typeface="+mn-lt"/>
+                <a:ea typeface="+mn-ea"/>
+                <a:cs typeface="+mn-cs"/>
+              </a:defRPr>
+            </a:lvl8pPr>
+            <a:lvl9pPr marL="3657600" algn="l" defTabSz="914400" rtl="0" eaLnBrk="1" latinLnBrk="0" hangingPunct="1">
+              <a:defRPr sz="1800" kern="1200">
+                <a:solidFill>
+                  <a:schemeClr val="lt1"/>
+                </a:solidFill>
+                <a:latin typeface="+mn-lt"/>
+                <a:ea typeface="+mn-ea"/>
+                <a:cs typeface="+mn-cs"/>
+              </a:defRPr>
+            </a:lvl9pPr>
+          </a:lstStyle>
+          <a:p>
+            <a:pPr algn="ctr"/>
+            <a:endParaRPr lang="zh-CN" altLang="en-US"/>
+          </a:p>
+        </p:txBody>
+      </p:sp>
+      <p:sp>
+        <p:nvSpPr>
+          <p:cNvPr id="219" name="椭圆 218"/>
+          <p:cNvSpPr/>
+          <p:nvPr/>
+        </p:nvSpPr>
+        <p:spPr>
+          <a:xfrm>
+            <a:off x="6362372" y="3690887"/>
+            <a:ext cx="110182" cy="110182"/>
+          </a:xfrm>
+          <a:prstGeom prst="ellipse">
+            <a:avLst/>
+          </a:prstGeom>
+          <a:solidFill>
+            <a:schemeClr val="tx1"/>
+          </a:solidFill>
+          <a:ln>
+            <a:solidFill>
+              <a:schemeClr val="tx1"/>
+            </a:solidFill>
+          </a:ln>
+        </p:spPr>
+        <p:style>
+          <a:lnRef idx="2">
+            <a:schemeClr val="accent1">
+              <a:shade val="50000"/>
+            </a:schemeClr>
+          </a:lnRef>
+          <a:fillRef idx="1">
+            <a:schemeClr val="accent1"/>
+          </a:fillRef>
+          <a:effectRef idx="0">
+            <a:schemeClr val="accent1"/>
+          </a:effectRef>
+          <a:fontRef idx="minor">
+            <a:schemeClr val="lt1"/>
+          </a:fontRef>
+        </p:style>
+        <p:txBody>
+          <a:bodyPr rtlCol="0" anchor="ctr"/>
+          <a:lstStyle>
+            <a:defPPr>
+              <a:defRPr lang="zh-CN"/>
+            </a:defPPr>
+            <a:lvl1pPr marL="0" algn="l" defTabSz="914400" rtl="0" eaLnBrk="1" latinLnBrk="0" hangingPunct="1">
+              <a:defRPr sz="1800" kern="1200">
+                <a:solidFill>
+                  <a:schemeClr val="lt1"/>
+                </a:solidFill>
+                <a:latin typeface="+mn-lt"/>
+                <a:ea typeface="+mn-ea"/>
+                <a:cs typeface="+mn-cs"/>
+              </a:defRPr>
+            </a:lvl1pPr>
+            <a:lvl2pPr marL="457200" algn="l" defTabSz="914400" rtl="0" eaLnBrk="1" latinLnBrk="0" hangingPunct="1">
+              <a:defRPr sz="1800" kern="1200">
+                <a:solidFill>
+                  <a:schemeClr val="lt1"/>
+                </a:solidFill>
+                <a:latin typeface="+mn-lt"/>
+                <a:ea typeface="+mn-ea"/>
+                <a:cs typeface="+mn-cs"/>
+              </a:defRPr>
+            </a:lvl2pPr>
+            <a:lvl3pPr marL="914400" algn="l" defTabSz="914400" rtl="0" eaLnBrk="1" latinLnBrk="0" hangingPunct="1">
+              <a:defRPr sz="1800" kern="1200">
+                <a:solidFill>
+                  <a:schemeClr val="lt1"/>
+                </a:solidFill>
+                <a:latin typeface="+mn-lt"/>
+                <a:ea typeface="+mn-ea"/>
+                <a:cs typeface="+mn-cs"/>
+              </a:defRPr>
+            </a:lvl3pPr>
+            <a:lvl4pPr marL="1371600" algn="l" defTabSz="914400" rtl="0" eaLnBrk="1" latinLnBrk="0" hangingPunct="1">
+              <a:defRPr sz="1800" kern="1200">
+                <a:solidFill>
+                  <a:schemeClr val="lt1"/>
+                </a:solidFill>
+                <a:latin typeface="+mn-lt"/>
+                <a:ea typeface="+mn-ea"/>
+                <a:cs typeface="+mn-cs"/>
+              </a:defRPr>
+            </a:lvl4pPr>
+            <a:lvl5pPr marL="1828800" algn="l" defTabSz="914400" rtl="0" eaLnBrk="1" latinLnBrk="0" hangingPunct="1">
+              <a:defRPr sz="1800" kern="1200">
+                <a:solidFill>
+                  <a:schemeClr val="lt1"/>
+                </a:solidFill>
+                <a:latin typeface="+mn-lt"/>
+                <a:ea typeface="+mn-ea"/>
+                <a:cs typeface="+mn-cs"/>
+              </a:defRPr>
+            </a:lvl5pPr>
+            <a:lvl6pPr marL="2286000" algn="l" defTabSz="914400" rtl="0" eaLnBrk="1" latinLnBrk="0" hangingPunct="1">
+              <a:defRPr sz="1800" kern="1200">
+                <a:solidFill>
+                  <a:schemeClr val="lt1"/>
+                </a:solidFill>
+                <a:latin typeface="+mn-lt"/>
+                <a:ea typeface="+mn-ea"/>
+                <a:cs typeface="+mn-cs"/>
+              </a:defRPr>
+            </a:lvl6pPr>
+            <a:lvl7pPr marL="2743200" algn="l" defTabSz="914400" rtl="0" eaLnBrk="1" latinLnBrk="0" hangingPunct="1">
+              <a:defRPr sz="1800" kern="1200">
+                <a:solidFill>
+                  <a:schemeClr val="lt1"/>
+                </a:solidFill>
+                <a:latin typeface="+mn-lt"/>
+                <a:ea typeface="+mn-ea"/>
+                <a:cs typeface="+mn-cs"/>
+              </a:defRPr>
+            </a:lvl7pPr>
+            <a:lvl8pPr marL="3200400" algn="l" defTabSz="914400" rtl="0" eaLnBrk="1" latinLnBrk="0" hangingPunct="1">
+              <a:defRPr sz="1800" kern="1200">
+                <a:solidFill>
+                  <a:schemeClr val="lt1"/>
+                </a:solidFill>
+                <a:latin typeface="+mn-lt"/>
+                <a:ea typeface="+mn-ea"/>
+                <a:cs typeface="+mn-cs"/>
+              </a:defRPr>
+            </a:lvl8pPr>
+            <a:lvl9pPr marL="3657600" algn="l" defTabSz="914400" rtl="0" eaLnBrk="1" latinLnBrk="0" hangingPunct="1">
+              <a:defRPr sz="1800" kern="1200">
+                <a:solidFill>
+                  <a:schemeClr val="lt1"/>
+                </a:solidFill>
+                <a:latin typeface="+mn-lt"/>
+                <a:ea typeface="+mn-ea"/>
+                <a:cs typeface="+mn-cs"/>
+              </a:defRPr>
+            </a:lvl9pPr>
+          </a:lstStyle>
+          <a:p>
+            <a:pPr algn="ctr"/>
+            <a:endParaRPr lang="zh-CN" altLang="en-US"/>
+          </a:p>
+        </p:txBody>
+      </p:sp>
+      <p:cxnSp>
+        <p:nvCxnSpPr>
+          <p:cNvPr id="220" name="直接连接符 219"/>
+          <p:cNvCxnSpPr>
+            <a:stCxn id="215" idx="6"/>
+            <a:endCxn id="217" idx="2"/>
+          </p:cNvCxnSpPr>
+          <p:nvPr/>
+        </p:nvCxnSpPr>
+        <p:spPr>
+          <a:xfrm>
+            <a:off x="6758897" y="4248033"/>
+            <a:ext cx="643263" cy="87968"/>
+          </a:xfrm>
+          <a:prstGeom prst="line">
+            <a:avLst/>
+          </a:prstGeom>
+        </p:spPr>
+        <p:style>
+          <a:lnRef idx="1">
+            <a:schemeClr val="dk1"/>
+          </a:lnRef>
+          <a:fillRef idx="0">
+            <a:schemeClr val="dk1"/>
+          </a:fillRef>
+          <a:effectRef idx="0">
+            <a:schemeClr val="dk1"/>
+          </a:effectRef>
+          <a:fontRef idx="minor">
+            <a:schemeClr val="tx1"/>
+          </a:fontRef>
+        </p:style>
+      </p:cxnSp>
+      <p:cxnSp>
+        <p:nvCxnSpPr>
+          <p:cNvPr id="221" name="直接连接符 220"/>
+          <p:cNvCxnSpPr>
+            <a:stCxn id="216" idx="3"/>
+            <a:endCxn id="215" idx="7"/>
+          </p:cNvCxnSpPr>
+          <p:nvPr/>
+        </p:nvCxnSpPr>
+        <p:spPr>
+          <a:xfrm flipH="1">
+            <a:off x="6742761" y="3936395"/>
+            <a:ext cx="412745" cy="272683"/>
+          </a:xfrm>
+          <a:prstGeom prst="line">
+            <a:avLst/>
+          </a:prstGeom>
+        </p:spPr>
+        <p:style>
+          <a:lnRef idx="1">
+            <a:schemeClr val="dk1"/>
+          </a:lnRef>
+          <a:fillRef idx="0">
+            <a:schemeClr val="dk1"/>
+          </a:fillRef>
+          <a:effectRef idx="0">
+            <a:schemeClr val="dk1"/>
+          </a:effectRef>
+          <a:fontRef idx="minor">
+            <a:schemeClr val="tx1"/>
+          </a:fontRef>
+        </p:style>
+      </p:cxnSp>
+      <p:cxnSp>
+        <p:nvCxnSpPr>
+          <p:cNvPr id="222" name="直接连接符 221"/>
+          <p:cNvCxnSpPr>
+            <a:stCxn id="216" idx="5"/>
+            <a:endCxn id="217" idx="1"/>
+          </p:cNvCxnSpPr>
+          <p:nvPr/>
+        </p:nvCxnSpPr>
+        <p:spPr>
+          <a:xfrm>
+            <a:off x="7233416" y="3936395"/>
+            <a:ext cx="184880" cy="360651"/>
+          </a:xfrm>
+          <a:prstGeom prst="line">
+            <a:avLst/>
+          </a:prstGeom>
+        </p:spPr>
+        <p:style>
+          <a:lnRef idx="1">
+            <a:schemeClr val="dk1"/>
+          </a:lnRef>
+          <a:fillRef idx="0">
+            <a:schemeClr val="dk1"/>
+          </a:fillRef>
+          <a:effectRef idx="0">
+            <a:schemeClr val="dk1"/>
+          </a:effectRef>
+          <a:fontRef idx="minor">
+            <a:schemeClr val="tx1"/>
+          </a:fontRef>
+        </p:style>
+      </p:cxnSp>
     </p:spTree>
     <p:extLst>
       <p:ext uri="{BB962C8B-B14F-4D97-AF65-F5344CB8AC3E}">
